--- a/material/18_CSharp_WPF (도구상자 - 심화).pptx
+++ b/material/18_CSharp_WPF (도구상자 - 심화).pptx
@@ -33,22 +33,22 @@
   <p:notesSz cx="6858000" cy="9144000"/>
   <p:embeddedFontLst>
     <p:embeddedFont>
-      <p:font typeface="Pretendard Black" panose="02000A03000000020004" pitchFamily="2" charset="-127"/>
-      <p:bold r:id="rId23"/>
+      <p:font typeface="Pretendard" panose="02000503000000020004" pitchFamily="2" charset="-127"/>
+      <p:regular r:id="rId23"/>
+      <p:bold r:id="rId24"/>
+    </p:embeddedFont>
+    <p:embeddedFont>
+      <p:font typeface="맑은 고딕" panose="020B0503020000020004" pitchFamily="50" charset="-127"/>
+      <p:regular r:id="rId25"/>
+      <p:bold r:id="rId26"/>
     </p:embeddedFont>
     <p:embeddedFont>
       <p:font typeface="Pretendard GOV" panose="020B0600000101010101" charset="-127"/>
-      <p:regular r:id="rId24"/>
-      <p:bold r:id="rId25"/>
+      <p:regular r:id="rId27"/>
+      <p:bold r:id="rId28"/>
     </p:embeddedFont>
     <p:embeddedFont>
-      <p:font typeface="Pretendard" panose="02000503000000020004" pitchFamily="2" charset="-127"/>
-      <p:regular r:id="rId26"/>
-      <p:bold r:id="rId27"/>
-    </p:embeddedFont>
-    <p:embeddedFont>
-      <p:font typeface="맑은 고딕" panose="020B0503020000020004" pitchFamily="50" charset="-127"/>
-      <p:regular r:id="rId28"/>
+      <p:font typeface="Pretendard Black" panose="02000A03000000020004" pitchFamily="2" charset="-127"/>
       <p:bold r:id="rId29"/>
     </p:embeddedFont>
   </p:embeddedFontLst>
@@ -240,7 +240,7 @@
           <a:p>
             <a:fld id="{2EF3F159-7250-4DD4-91C2-13B35D56E1AF}" type="datetimeFigureOut">
               <a:rPr lang="ko-KR" altLang="en-US" smtClean="0"/>
-              <a:t>2025-05-22</a:t>
+              <a:t>2025-05-23</a:t>
             </a:fld>
             <a:endParaRPr lang="ko-KR" altLang="en-US"/>
           </a:p>
@@ -2015,6 +2015,104 @@
           <a:bodyPr/>
           <a:lstStyle/>
           <a:p>
+            <a:r>
+              <a:rPr lang="ko-KR" altLang="en-US" b="1" dirty="0" smtClean="0"/>
+              <a:t>목표</a:t>
+            </a:r>
+            <a:endParaRPr lang="ko-KR" altLang="en-US" dirty="0" smtClean="0"/>
+          </a:p>
+          <a:p>
+            <a:r>
+              <a:rPr lang="ko-KR" altLang="en-US" dirty="0" smtClean="0"/>
+              <a:t>사용자가 이미지 파일을 열면 버튼의 배경이 해당 이미지로 바뀌는 </a:t>
+            </a:r>
+            <a:r>
+              <a:rPr lang="en-US" altLang="ko-KR" dirty="0" smtClean="0"/>
+              <a:t>WPF </a:t>
+            </a:r>
+            <a:r>
+              <a:rPr lang="ko-KR" altLang="en-US" dirty="0" smtClean="0"/>
+              <a:t>프로그램 제작</a:t>
+            </a:r>
+          </a:p>
+          <a:p>
+            <a:r>
+              <a:rPr lang="ko-KR" altLang="en-US" b="1" dirty="0" smtClean="0"/>
+              <a:t>필수 구현 항목</a:t>
+            </a:r>
+            <a:endParaRPr lang="ko-KR" altLang="en-US" dirty="0" smtClean="0"/>
+          </a:p>
+          <a:p>
+            <a:r>
+              <a:rPr lang="en-US" altLang="ko-KR" dirty="0" err="1" smtClean="0"/>
+              <a:t>OpenFileDialog</a:t>
+            </a:r>
+            <a:r>
+              <a:rPr lang="ko-KR" altLang="en-US" dirty="0" smtClean="0"/>
+              <a:t>로 이미지 파일 선택</a:t>
+            </a:r>
+          </a:p>
+          <a:p>
+            <a:r>
+              <a:rPr lang="ko-KR" altLang="en-US" dirty="0" smtClean="0"/>
+              <a:t>선택한 이미지 경로를 </a:t>
+            </a:r>
+            <a:r>
+              <a:rPr lang="en-US" altLang="ko-KR" dirty="0" smtClean="0"/>
+              <a:t>URI</a:t>
+            </a:r>
+            <a:r>
+              <a:rPr lang="ko-KR" altLang="en-US" dirty="0" smtClean="0"/>
+              <a:t>로 가져와 버튼에 적용</a:t>
+            </a:r>
+          </a:p>
+          <a:p>
+            <a:r>
+              <a:rPr lang="ko-KR" altLang="en-US" dirty="0" smtClean="0"/>
+              <a:t>버튼의 크기를 이미지 크기와 맞게 조절</a:t>
+            </a:r>
+          </a:p>
+          <a:p>
+            <a:r>
+              <a:rPr lang="en-US" altLang="ko-KR" dirty="0" err="1" smtClean="0"/>
+              <a:t>Git</a:t>
+            </a:r>
+            <a:r>
+              <a:rPr lang="en-US" altLang="ko-KR" dirty="0" smtClean="0"/>
+              <a:t> Repository </a:t>
+            </a:r>
+            <a:r>
+              <a:rPr lang="ko-KR" altLang="en-US" dirty="0" smtClean="0"/>
+              <a:t>업로드 </a:t>
+            </a:r>
+            <a:r>
+              <a:rPr lang="en-US" altLang="ko-KR" dirty="0" smtClean="0"/>
+              <a:t>(</a:t>
+            </a:r>
+            <a:r>
+              <a:rPr lang="ko-KR" altLang="en-US" dirty="0" smtClean="0"/>
+              <a:t>작성자 과제 목적</a:t>
+            </a:r>
+            <a:r>
+              <a:rPr lang="en-US" altLang="ko-KR" dirty="0" smtClean="0"/>
+              <a:t>)</a:t>
+            </a:r>
+          </a:p>
+          <a:p>
+            <a:endParaRPr lang="en-US" altLang="ko-KR" dirty="0" smtClean="0"/>
+          </a:p>
+          <a:p>
+            <a:r>
+              <a:rPr lang="en-US" altLang="ko-KR" sz="1200" kern="1200" dirty="0" err="1" smtClean="0">
+                <a:solidFill>
+                  <a:schemeClr val="tx1"/>
+                </a:solidFill>
+                <a:latin typeface="+mn-lt"/>
+                <a:ea typeface="+mn-ea"/>
+                <a:cs typeface="+mn-cs"/>
+              </a:rPr>
+              <a:t>ImageBrush</a:t>
+            </a:r>
             <a:endParaRPr lang="ko-KR" altLang="en-US" dirty="0"/>
           </a:p>
         </p:txBody>
@@ -2173,6 +2271,90 @@
     <p:extLst>
       <p:ext uri="{BB962C8B-B14F-4D97-AF65-F5344CB8AC3E}">
         <p14:creationId xmlns:p14="http://schemas.microsoft.com/office/powerpoint/2010/main" val="3844026903"/>
+      </p:ext>
+    </p:extLst>
+  </p:cSld>
+  <p:clrMapOvr>
+    <a:masterClrMapping/>
+  </p:clrMapOvr>
+</p:notes>
+</file>
+
+<file path=ppt/notesSlides/notesSlide9.xml><?xml version="1.0" encoding="utf-8"?>
+<p:notes xmlns:a="http://schemas.openxmlformats.org/drawingml/2006/main" xmlns:r="http://schemas.openxmlformats.org/officeDocument/2006/relationships" xmlns:p="http://schemas.openxmlformats.org/presentationml/2006/main">
+  <p:cSld>
+    <p:spTree>
+      <p:nvGrpSpPr>
+        <p:cNvPr id="1" name=""/>
+        <p:cNvGrpSpPr/>
+        <p:nvPr/>
+      </p:nvGrpSpPr>
+      <p:grpSpPr>
+        <a:xfrm>
+          <a:off x="0" y="0"/>
+          <a:ext cx="0" cy="0"/>
+          <a:chOff x="0" y="0"/>
+          <a:chExt cx="0" cy="0"/>
+        </a:xfrm>
+      </p:grpSpPr>
+      <p:sp>
+        <p:nvSpPr>
+          <p:cNvPr id="2" name="슬라이드 이미지 개체 틀 1"/>
+          <p:cNvSpPr>
+            <a:spLocks noGrp="1" noRot="1" noChangeAspect="1"/>
+          </p:cNvSpPr>
+          <p:nvPr>
+            <p:ph type="sldImg"/>
+          </p:nvPr>
+        </p:nvSpPr>
+        <p:spPr/>
+      </p:sp>
+      <p:sp>
+        <p:nvSpPr>
+          <p:cNvPr id="3" name="슬라이드 노트 개체 틀 2"/>
+          <p:cNvSpPr>
+            <a:spLocks noGrp="1"/>
+          </p:cNvSpPr>
+          <p:nvPr>
+            <p:ph type="body" idx="1"/>
+          </p:nvPr>
+        </p:nvSpPr>
+        <p:spPr/>
+        <p:txBody>
+          <a:bodyPr/>
+          <a:lstStyle/>
+          <a:p>
+            <a:endParaRPr lang="ko-KR" altLang="en-US" dirty="0"/>
+          </a:p>
+        </p:txBody>
+      </p:sp>
+      <p:sp>
+        <p:nvSpPr>
+          <p:cNvPr id="4" name="슬라이드 번호 개체 틀 3"/>
+          <p:cNvSpPr>
+            <a:spLocks noGrp="1"/>
+          </p:cNvSpPr>
+          <p:nvPr>
+            <p:ph type="sldNum" sz="quarter" idx="10"/>
+          </p:nvPr>
+        </p:nvSpPr>
+        <p:spPr/>
+        <p:txBody>
+          <a:bodyPr/>
+          <a:lstStyle/>
+          <a:p>
+            <a:fld id="{C09E5BFC-1559-42F1-8940-AB342D56BF02}" type="slidenum">
+              <a:rPr lang="ko-KR" altLang="en-US" smtClean="0"/>
+              <a:t>19</a:t>
+            </a:fld>
+            <a:endParaRPr lang="ko-KR" altLang="en-US"/>
+          </a:p>
+        </p:txBody>
+      </p:sp>
+    </p:spTree>
+    <p:extLst>
+      <p:ext uri="{BB962C8B-B14F-4D97-AF65-F5344CB8AC3E}">
+        <p14:creationId xmlns:p14="http://schemas.microsoft.com/office/powerpoint/2010/main" val="3519121000"/>
       </p:ext>
     </p:extLst>
   </p:cSld>
@@ -2323,7 +2505,7 @@
           <a:p>
             <a:fld id="{442BEE3F-2E9A-4FD8-8B8A-8619F3E161C0}" type="datetime1">
               <a:rPr lang="ko-KR" altLang="en-US" smtClean="0"/>
-              <a:t>2025-05-22</a:t>
+              <a:t>2025-05-23</a:t>
             </a:fld>
             <a:endParaRPr lang="ko-KR" altLang="en-US"/>
           </a:p>
@@ -2509,7 +2691,7 @@
           <a:p>
             <a:fld id="{2EAE422B-0E68-47B5-84BB-CA2BDA8EE46C}" type="datetime1">
               <a:rPr lang="ko-KR" altLang="en-US" smtClean="0"/>
-              <a:t>2025-05-22</a:t>
+              <a:t>2025-05-23</a:t>
             </a:fld>
             <a:endParaRPr lang="ko-KR" altLang="en-US"/>
           </a:p>
@@ -2717,7 +2899,7 @@
           <a:p>
             <a:fld id="{AF7C623F-179B-417F-99B6-50F6DF228D4B}" type="datetime1">
               <a:rPr lang="ko-KR" altLang="en-US" smtClean="0"/>
-              <a:t>2025-05-22</a:t>
+              <a:t>2025-05-23</a:t>
             </a:fld>
             <a:endParaRPr lang="ko-KR" altLang="en-US"/>
           </a:p>
@@ -2959,7 +3141,7 @@
           <a:p>
             <a:fld id="{0F78D9C4-20C1-4B15-A116-16DC77AD9A1E}" type="datetime1">
               <a:rPr lang="ko-KR" altLang="en-US" smtClean="0"/>
-              <a:t>2025-05-22</a:t>
+              <a:t>2025-05-23</a:t>
             </a:fld>
             <a:endParaRPr lang="ko-KR" altLang="en-US"/>
           </a:p>
@@ -3234,7 +3416,7 @@
           <a:p>
             <a:fld id="{C7F43723-C509-4DEA-8428-B50818F79709}" type="datetime1">
               <a:rPr lang="ko-KR" altLang="en-US" smtClean="0"/>
-              <a:t>2025-05-22</a:t>
+              <a:t>2025-05-23</a:t>
             </a:fld>
             <a:endParaRPr lang="ko-KR" altLang="en-US"/>
           </a:p>
@@ -3499,7 +3681,7 @@
           <a:p>
             <a:fld id="{5D2B7482-EE74-4DBD-97F4-D0DAC0C0E4E5}" type="datetime1">
               <a:rPr lang="ko-KR" altLang="en-US" smtClean="0"/>
-              <a:t>2025-05-22</a:t>
+              <a:t>2025-05-23</a:t>
             </a:fld>
             <a:endParaRPr lang="ko-KR" altLang="en-US"/>
           </a:p>
@@ -3912,7 +4094,7 @@
           <a:p>
             <a:fld id="{051A8C49-CED7-4A86-9B4A-621D7F62EE92}" type="datetime1">
               <a:rPr lang="ko-KR" altLang="en-US" smtClean="0"/>
-              <a:t>2025-05-22</a:t>
+              <a:t>2025-05-23</a:t>
             </a:fld>
             <a:endParaRPr lang="ko-KR" altLang="en-US"/>
           </a:p>
@@ -4059,7 +4241,7 @@
           <a:p>
             <a:fld id="{84082D76-7079-412D-848B-E1B9E7A6A286}" type="datetime1">
               <a:rPr lang="ko-KR" altLang="en-US" smtClean="0"/>
-              <a:t>2025-05-22</a:t>
+              <a:t>2025-05-23</a:t>
             </a:fld>
             <a:endParaRPr lang="ko-KR" altLang="en-US"/>
           </a:p>
@@ -4172,7 +4354,7 @@
           <a:p>
             <a:fld id="{10C5FEB5-5F88-4F49-9108-1795E314F09F}" type="datetime1">
               <a:rPr lang="ko-KR" altLang="en-US" smtClean="0"/>
-              <a:t>2025-05-22</a:t>
+              <a:t>2025-05-23</a:t>
             </a:fld>
             <a:endParaRPr lang="ko-KR" altLang="en-US"/>
           </a:p>
@@ -4483,7 +4665,7 @@
           <a:p>
             <a:fld id="{E37ABBEE-D8D4-48AD-9887-4DC578B8A684}" type="datetime1">
               <a:rPr lang="ko-KR" altLang="en-US" smtClean="0"/>
-              <a:t>2025-05-22</a:t>
+              <a:t>2025-05-23</a:t>
             </a:fld>
             <a:endParaRPr lang="ko-KR" altLang="en-US"/>
           </a:p>
@@ -4774,7 +4956,7 @@
           <a:p>
             <a:fld id="{A2D6A55C-F3DD-45DD-9D50-F8680410167D}" type="datetime1">
               <a:rPr lang="ko-KR" altLang="en-US" smtClean="0"/>
-              <a:t>2025-05-22</a:t>
+              <a:t>2025-05-23</a:t>
             </a:fld>
             <a:endParaRPr lang="ko-KR" altLang="en-US"/>
           </a:p>
@@ -5018,7 +5200,7 @@
             <a:fld id="{7F5E23C3-0E3D-4E4E-8486-D7FB4C073DC1}" type="datetime1">
               <a:rPr lang="ko-KR" altLang="en-US" smtClean="0"/>
               <a:pPr/>
-              <a:t>2025-05-22</a:t>
+              <a:t>2025-05-23</a:t>
             </a:fld>
             <a:endParaRPr lang="ko-KR" altLang="en-US" dirty="0"/>
           </a:p>
@@ -5553,7 +5735,7 @@
           <a:p>
             <a:fld id="{2E2BEDFA-D8AA-4914-9440-7DF713C99FA9}" type="datetime1">
               <a:rPr lang="ko-KR" altLang="en-US" smtClean="0"/>
-              <a:t>2025-05-22</a:t>
+              <a:t>2025-05-23</a:t>
             </a:fld>
             <a:endParaRPr lang="ko-KR" altLang="en-US"/>
           </a:p>
@@ -5677,7 +5859,7 @@
           <a:p>
             <a:fld id="{0F78D9C4-20C1-4B15-A116-16DC77AD9A1E}" type="datetime1">
               <a:rPr lang="ko-KR" altLang="en-US" smtClean="0"/>
-              <a:t>2025-05-22</a:t>
+              <a:t>2025-05-23</a:t>
             </a:fld>
             <a:endParaRPr lang="ko-KR" altLang="en-US"/>
           </a:p>
@@ -5866,7 +6048,7 @@
           <a:p>
             <a:fld id="{0F78D9C4-20C1-4B15-A116-16DC77AD9A1E}" type="datetime1">
               <a:rPr lang="ko-KR" altLang="en-US" smtClean="0"/>
-              <a:t>2025-05-22</a:t>
+              <a:t>2025-05-23</a:t>
             </a:fld>
             <a:endParaRPr lang="ko-KR" altLang="en-US"/>
           </a:p>
@@ -6019,7 +6201,7 @@
           <a:p>
             <a:fld id="{0F78D9C4-20C1-4B15-A116-16DC77AD9A1E}" type="datetime1">
               <a:rPr lang="ko-KR" altLang="en-US" smtClean="0"/>
-              <a:t>2025-05-22</a:t>
+              <a:t>2025-05-23</a:t>
             </a:fld>
             <a:endParaRPr lang="ko-KR" altLang="en-US"/>
           </a:p>
@@ -6473,7 +6655,7 @@
           <a:p>
             <a:fld id="{0F78D9C4-20C1-4B15-A116-16DC77AD9A1E}" type="datetime1">
               <a:rPr lang="ko-KR" altLang="en-US" smtClean="0"/>
-              <a:t>2025-05-22</a:t>
+              <a:t>2025-05-23</a:t>
             </a:fld>
             <a:endParaRPr lang="ko-KR" altLang="en-US"/>
           </a:p>
@@ -6623,7 +6805,7 @@
           <a:p>
             <a:fld id="{0F78D9C4-20C1-4B15-A116-16DC77AD9A1E}" type="datetime1">
               <a:rPr lang="ko-KR" altLang="en-US" smtClean="0"/>
-              <a:t>2025-05-22</a:t>
+              <a:t>2025-05-23</a:t>
             </a:fld>
             <a:endParaRPr lang="ko-KR" altLang="en-US"/>
           </a:p>
@@ -7073,7 +7255,7 @@
           <a:p>
             <a:fld id="{0F78D9C4-20C1-4B15-A116-16DC77AD9A1E}" type="datetime1">
               <a:rPr lang="ko-KR" altLang="en-US" smtClean="0"/>
-              <a:t>2025-05-22</a:t>
+              <a:t>2025-05-23</a:t>
             </a:fld>
             <a:endParaRPr lang="ko-KR" altLang="en-US"/>
           </a:p>
@@ -7363,7 +7545,7 @@
           <a:p>
             <a:fld id="{0F78D9C4-20C1-4B15-A116-16DC77AD9A1E}" type="datetime1">
               <a:rPr lang="ko-KR" altLang="en-US" smtClean="0"/>
-              <a:t>2025-05-22</a:t>
+              <a:t>2025-05-23</a:t>
             </a:fld>
             <a:endParaRPr lang="ko-KR" altLang="en-US"/>
           </a:p>
@@ -7594,7 +7776,7 @@
           <a:p>
             <a:fld id="{0F78D9C4-20C1-4B15-A116-16DC77AD9A1E}" type="datetime1">
               <a:rPr lang="ko-KR" altLang="en-US" smtClean="0"/>
-              <a:t>2025-05-22</a:t>
+              <a:t>2025-05-23</a:t>
             </a:fld>
             <a:endParaRPr lang="ko-KR" altLang="en-US"/>
           </a:p>
@@ -7812,7 +7994,7 @@
           <a:p>
             <a:fld id="{0F78D9C4-20C1-4B15-A116-16DC77AD9A1E}" type="datetime1">
               <a:rPr lang="ko-KR" altLang="en-US" smtClean="0"/>
-              <a:t>2025-05-22</a:t>
+              <a:t>2025-05-23</a:t>
             </a:fld>
             <a:endParaRPr lang="ko-KR" altLang="en-US"/>
           </a:p>
@@ -7973,7 +8155,7 @@
           <a:p>
             <a:fld id="{0F78D9C4-20C1-4B15-A116-16DC77AD9A1E}" type="datetime1">
               <a:rPr lang="ko-KR" altLang="en-US" smtClean="0"/>
-              <a:t>2025-05-22</a:t>
+              <a:t>2025-05-23</a:t>
             </a:fld>
             <a:endParaRPr lang="ko-KR" altLang="en-US"/>
           </a:p>
@@ -8023,7 +8205,7 @@
           <p:nvPr/>
         </p:nvPicPr>
         <p:blipFill>
-          <a:blip r:embed="rId2"/>
+          <a:blip r:embed="rId3"/>
           <a:stretch>
             <a:fillRect/>
           </a:stretch>
@@ -8053,7 +8235,7 @@
           <p:nvPr/>
         </p:nvPicPr>
         <p:blipFill>
-          <a:blip r:embed="rId3"/>
+          <a:blip r:embed="rId4"/>
           <a:stretch>
             <a:fillRect/>
           </a:stretch>
@@ -8083,7 +8265,7 @@
           <p:nvPr/>
         </p:nvPicPr>
         <p:blipFill>
-          <a:blip r:embed="rId4"/>
+          <a:blip r:embed="rId5"/>
           <a:stretch>
             <a:fillRect/>
           </a:stretch>
@@ -8187,7 +8369,7 @@
           <a:p>
             <a:fld id="{0F78D9C4-20C1-4B15-A116-16DC77AD9A1E}" type="datetime1">
               <a:rPr lang="ko-KR" altLang="en-US" smtClean="0"/>
-              <a:t>2025-05-22</a:t>
+              <a:t>2025-05-23</a:t>
             </a:fld>
             <a:endParaRPr lang="ko-KR" altLang="en-US"/>
           </a:p>
@@ -8822,7 +9004,7 @@
           <a:p>
             <a:fld id="{0F78D9C4-20C1-4B15-A116-16DC77AD9A1E}" type="datetime1">
               <a:rPr lang="ko-KR" altLang="en-US" smtClean="0"/>
-              <a:t>2025-05-22</a:t>
+              <a:t>2025-05-23</a:t>
             </a:fld>
             <a:endParaRPr lang="ko-KR" altLang="en-US"/>
           </a:p>
@@ -8946,7 +9128,7 @@
           <a:p>
             <a:fld id="{0F78D9C4-20C1-4B15-A116-16DC77AD9A1E}" type="datetime1">
               <a:rPr lang="ko-KR" altLang="en-US" smtClean="0"/>
-              <a:t>2025-05-22</a:t>
+              <a:t>2025-05-23</a:t>
             </a:fld>
             <a:endParaRPr lang="ko-KR" altLang="en-US"/>
           </a:p>
@@ -9654,7 +9836,7 @@
           <a:p>
             <a:fld id="{0F78D9C4-20C1-4B15-A116-16DC77AD9A1E}" type="datetime1">
               <a:rPr lang="ko-KR" altLang="en-US" smtClean="0"/>
-              <a:t>2025-05-22</a:t>
+              <a:t>2025-05-23</a:t>
             </a:fld>
             <a:endParaRPr lang="ko-KR" altLang="en-US"/>
           </a:p>
@@ -9877,11 +10059,11 @@
   <p:clrMapOvr>
     <a:masterClrMapping/>
   </p:clrMapOvr>
-  <mc:AlternateContent xmlns:mc="http://schemas.openxmlformats.org/markup-compatibility/2006">
-    <mc:Choice xmlns:p14="http://schemas.microsoft.com/office/powerpoint/2010/main" Requires="p14">
+  <mc:AlternateContent xmlns:mc="http://schemas.openxmlformats.org/markup-compatibility/2006" xmlns:p14="http://schemas.microsoft.com/office/powerpoint/2010/main">
+    <mc:Choice Requires="p14">
       <p:transition spd="slow" p14:dur="2000"/>
     </mc:Choice>
-    <mc:Fallback>
+    <mc:Fallback xmlns="">
       <p:transition spd="slow"/>
     </mc:Fallback>
   </mc:AlternateContent>
@@ -9997,7 +10179,7 @@
           <a:p>
             <a:fld id="{0F78D9C4-20C1-4B15-A116-16DC77AD9A1E}" type="datetime1">
               <a:rPr lang="ko-KR" altLang="en-US" smtClean="0"/>
-              <a:t>2025-05-22</a:t>
+              <a:t>2025-05-23</a:t>
             </a:fld>
             <a:endParaRPr lang="ko-KR" altLang="en-US"/>
           </a:p>
@@ -10317,7 +10499,7 @@
           <a:p>
             <a:fld id="{0F78D9C4-20C1-4B15-A116-16DC77AD9A1E}" type="datetime1">
               <a:rPr lang="ko-KR" altLang="en-US" smtClean="0"/>
-              <a:t>2025-05-22</a:t>
+              <a:t>2025-05-23</a:t>
             </a:fld>
             <a:endParaRPr lang="ko-KR" altLang="en-US"/>
           </a:p>
@@ -10691,7 +10873,7 @@
           <a:p>
             <a:fld id="{0F78D9C4-20C1-4B15-A116-16DC77AD9A1E}" type="datetime1">
               <a:rPr lang="ko-KR" altLang="en-US" smtClean="0"/>
-              <a:t>2025-05-22</a:t>
+              <a:t>2025-05-23</a:t>
             </a:fld>
             <a:endParaRPr lang="ko-KR" altLang="en-US"/>
           </a:p>
@@ -11194,7 +11376,7 @@
           <a:p>
             <a:fld id="{0F78D9C4-20C1-4B15-A116-16DC77AD9A1E}" type="datetime1">
               <a:rPr lang="ko-KR" altLang="en-US" smtClean="0"/>
-              <a:t>2025-05-22</a:t>
+              <a:t>2025-05-23</a:t>
             </a:fld>
             <a:endParaRPr lang="ko-KR" altLang="en-US"/>
           </a:p>
@@ -11485,7 +11667,7 @@
           <a:p>
             <a:fld id="{0F78D9C4-20C1-4B15-A116-16DC77AD9A1E}" type="datetime1">
               <a:rPr lang="ko-KR" altLang="en-US" smtClean="0"/>
-              <a:t>2025-05-22</a:t>
+              <a:t>2025-05-23</a:t>
             </a:fld>
             <a:endParaRPr lang="ko-KR" altLang="en-US"/>
           </a:p>

--- a/material/18_CSharp_WPF (도구상자 - 심화).pptx
+++ b/material/18_CSharp_WPF (도구상자 - 심화).pptx
@@ -33,22 +33,22 @@
   <p:notesSz cx="6858000" cy="9144000"/>
   <p:embeddedFontLst>
     <p:embeddedFont>
-      <p:font typeface="Pretendard" panose="02000503000000020004" pitchFamily="2" charset="-127"/>
+      <p:font typeface="Pretendard" panose="020B0600000101010101" charset="-127"/>
       <p:regular r:id="rId23"/>
       <p:bold r:id="rId24"/>
     </p:embeddedFont>
     <p:embeddedFont>
-      <p:font typeface="맑은 고딕" panose="020B0503020000020004" pitchFamily="50" charset="-127"/>
-      <p:regular r:id="rId25"/>
-      <p:bold r:id="rId26"/>
+      <p:font typeface="Pretendard Black" panose="020B0600000101010101" charset="-127"/>
+      <p:bold r:id="rId25"/>
     </p:embeddedFont>
     <p:embeddedFont>
-      <p:font typeface="Pretendard GOV" panose="020B0600000101010101" charset="-127"/>
-      <p:regular r:id="rId27"/>
-      <p:bold r:id="rId28"/>
+      <p:font typeface="Pretendard GOV" panose="02000503000000020004" pitchFamily="2" charset="-127"/>
+      <p:regular r:id="rId26"/>
+      <p:bold r:id="rId27"/>
     </p:embeddedFont>
     <p:embeddedFont>
-      <p:font typeface="Pretendard Black" panose="02000A03000000020004" pitchFamily="2" charset="-127"/>
+      <p:font typeface="맑은 고딕" panose="020B0503020000020004" pitchFamily="50" charset="-127"/>
+      <p:regular r:id="rId28"/>
       <p:bold r:id="rId29"/>
     </p:embeddedFont>
   </p:embeddedFontLst>
@@ -630,6 +630,229 @@
 </p:notes>
 </file>
 
+<file path=ppt/notesSlides/notesSlide10.xml><?xml version="1.0" encoding="utf-8"?>
+<p:notes xmlns:a="http://schemas.openxmlformats.org/drawingml/2006/main" xmlns:r="http://schemas.openxmlformats.org/officeDocument/2006/relationships" xmlns:p="http://schemas.openxmlformats.org/presentationml/2006/main">
+  <p:cSld>
+    <p:spTree>
+      <p:nvGrpSpPr>
+        <p:cNvPr id="1" name=""/>
+        <p:cNvGrpSpPr/>
+        <p:nvPr/>
+      </p:nvGrpSpPr>
+      <p:grpSpPr>
+        <a:xfrm>
+          <a:off x="0" y="0"/>
+          <a:ext cx="0" cy="0"/>
+          <a:chOff x="0" y="0"/>
+          <a:chExt cx="0" cy="0"/>
+        </a:xfrm>
+      </p:grpSpPr>
+      <p:sp>
+        <p:nvSpPr>
+          <p:cNvPr id="2" name="슬라이드 이미지 개체 틀 1"/>
+          <p:cNvSpPr>
+            <a:spLocks noGrp="1" noRot="1" noChangeAspect="1"/>
+          </p:cNvSpPr>
+          <p:nvPr>
+            <p:ph type="sldImg"/>
+          </p:nvPr>
+        </p:nvSpPr>
+        <p:spPr/>
+      </p:sp>
+      <p:sp>
+        <p:nvSpPr>
+          <p:cNvPr id="3" name="슬라이드 노트 개체 틀 2"/>
+          <p:cNvSpPr>
+            <a:spLocks noGrp="1"/>
+          </p:cNvSpPr>
+          <p:nvPr>
+            <p:ph type="body" idx="1"/>
+          </p:nvPr>
+        </p:nvSpPr>
+        <p:spPr/>
+        <p:txBody>
+          <a:bodyPr/>
+          <a:lstStyle/>
+          <a:p>
+            <a:endParaRPr lang="ko-KR" altLang="en-US" dirty="0"/>
+          </a:p>
+        </p:txBody>
+      </p:sp>
+      <p:sp>
+        <p:nvSpPr>
+          <p:cNvPr id="4" name="슬라이드 번호 개체 틀 3"/>
+          <p:cNvSpPr>
+            <a:spLocks noGrp="1"/>
+          </p:cNvSpPr>
+          <p:nvPr>
+            <p:ph type="sldNum" sz="quarter" idx="10"/>
+          </p:nvPr>
+        </p:nvSpPr>
+        <p:spPr/>
+        <p:txBody>
+          <a:bodyPr/>
+          <a:lstStyle/>
+          <a:p>
+            <a:fld id="{C09E5BFC-1559-42F1-8940-AB342D56BF02}" type="slidenum">
+              <a:rPr lang="ko-KR" altLang="en-US" smtClean="0"/>
+              <a:t>19</a:t>
+            </a:fld>
+            <a:endParaRPr lang="ko-KR" altLang="en-US"/>
+          </a:p>
+        </p:txBody>
+      </p:sp>
+    </p:spTree>
+    <p:extLst>
+      <p:ext uri="{BB962C8B-B14F-4D97-AF65-F5344CB8AC3E}">
+        <p14:creationId xmlns:p14="http://schemas.microsoft.com/office/powerpoint/2010/main" val="3519121000"/>
+      </p:ext>
+    </p:extLst>
+  </p:cSld>
+  <p:clrMapOvr>
+    <a:masterClrMapping/>
+  </p:clrMapOvr>
+</p:notes>
+</file>
+
+<file path=ppt/notesSlides/notesSlide11.xml><?xml version="1.0" encoding="utf-8"?>
+<p:notes xmlns:a="http://schemas.openxmlformats.org/drawingml/2006/main" xmlns:r="http://schemas.openxmlformats.org/officeDocument/2006/relationships" xmlns:p="http://schemas.openxmlformats.org/presentationml/2006/main">
+  <p:cSld>
+    <p:spTree>
+      <p:nvGrpSpPr>
+        <p:cNvPr id="1" name=""/>
+        <p:cNvGrpSpPr/>
+        <p:nvPr/>
+      </p:nvGrpSpPr>
+      <p:grpSpPr>
+        <a:xfrm>
+          <a:off x="0" y="0"/>
+          <a:ext cx="0" cy="0"/>
+          <a:chOff x="0" y="0"/>
+          <a:chExt cx="0" cy="0"/>
+        </a:xfrm>
+      </p:grpSpPr>
+      <p:sp>
+        <p:nvSpPr>
+          <p:cNvPr id="2" name="슬라이드 이미지 개체 틀 1"/>
+          <p:cNvSpPr>
+            <a:spLocks noGrp="1" noRot="1" noChangeAspect="1"/>
+          </p:cNvSpPr>
+          <p:nvPr>
+            <p:ph type="sldImg"/>
+          </p:nvPr>
+        </p:nvSpPr>
+        <p:spPr/>
+      </p:sp>
+      <p:sp>
+        <p:nvSpPr>
+          <p:cNvPr id="3" name="슬라이드 노트 개체 틀 2"/>
+          <p:cNvSpPr>
+            <a:spLocks noGrp="1"/>
+          </p:cNvSpPr>
+          <p:nvPr>
+            <p:ph type="body" idx="1"/>
+          </p:nvPr>
+        </p:nvSpPr>
+        <p:spPr/>
+        <p:txBody>
+          <a:bodyPr/>
+          <a:lstStyle/>
+          <a:p>
+            <a:r>
+              <a:rPr lang="en-US" altLang="ko-KR" dirty="0"/>
+              <a:t>CSV -&gt; </a:t>
+            </a:r>
+            <a:r>
+              <a:rPr lang="ko-KR" altLang="en-US" b="0" i="0" dirty="0">
+                <a:solidFill>
+                  <a:srgbClr val="EEF0FF"/>
+                </a:solidFill>
+                <a:effectLst/>
+                <a:latin typeface="Google Sans"/>
+              </a:rPr>
+              <a:t> </a:t>
+            </a:r>
+            <a:r>
+              <a:rPr lang="ko-KR" altLang="en-US" dirty="0"/>
+              <a:t>쉼표로 데이터를 구분한 텍스트 파일</a:t>
+            </a:r>
+            <a:endParaRPr lang="en-US" altLang="ko-KR" dirty="0"/>
+          </a:p>
+          <a:p>
+            <a:r>
+              <a:rPr lang="ko-KR" altLang="en-US" dirty="0"/>
+              <a:t>메모장으로 작성</a:t>
+            </a:r>
+            <a:endParaRPr lang="en-US" altLang="ko-KR" dirty="0"/>
+          </a:p>
+          <a:p>
+            <a:r>
+              <a:rPr lang="en-US" altLang="ko-KR" dirty="0"/>
+              <a:t>-&gt; </a:t>
+            </a:r>
+            <a:r>
+              <a:rPr lang="ko-KR" altLang="en-US" dirty="0" err="1"/>
+              <a:t>다른이름으로</a:t>
+            </a:r>
+            <a:r>
+              <a:rPr lang="ko-KR" altLang="en-US" dirty="0"/>
+              <a:t> 저장 </a:t>
+            </a:r>
+            <a:r>
+              <a:rPr lang="en-US" altLang="ko-KR" dirty="0"/>
+              <a:t>-&gt; .CSV -&gt; </a:t>
+            </a:r>
+            <a:r>
+              <a:rPr lang="ko-KR" altLang="en-US" dirty="0"/>
+              <a:t>모든 파일 </a:t>
+            </a:r>
+            <a:r>
+              <a:rPr lang="en-US" altLang="ko-KR" dirty="0"/>
+              <a:t>-&gt; UTF-8 </a:t>
+            </a:r>
+            <a:r>
+              <a:rPr lang="ko-KR" altLang="en-US" dirty="0"/>
+              <a:t>저장</a:t>
+            </a:r>
+          </a:p>
+        </p:txBody>
+      </p:sp>
+      <p:sp>
+        <p:nvSpPr>
+          <p:cNvPr id="4" name="슬라이드 번호 개체 틀 3"/>
+          <p:cNvSpPr>
+            <a:spLocks noGrp="1"/>
+          </p:cNvSpPr>
+          <p:nvPr>
+            <p:ph type="sldNum" sz="quarter" idx="5"/>
+          </p:nvPr>
+        </p:nvSpPr>
+        <p:spPr/>
+        <p:txBody>
+          <a:bodyPr/>
+          <a:lstStyle/>
+          <a:p>
+            <a:fld id="{C09E5BFC-1559-42F1-8940-AB342D56BF02}" type="slidenum">
+              <a:rPr lang="ko-KR" altLang="en-US" smtClean="0"/>
+              <a:t>20</a:t>
+            </a:fld>
+            <a:endParaRPr lang="ko-KR" altLang="en-US"/>
+          </a:p>
+        </p:txBody>
+      </p:sp>
+    </p:spTree>
+    <p:extLst>
+      <p:ext uri="{BB962C8B-B14F-4D97-AF65-F5344CB8AC3E}">
+        <p14:creationId xmlns:p14="http://schemas.microsoft.com/office/powerpoint/2010/main" val="2616356143"/>
+      </p:ext>
+    </p:extLst>
+  </p:cSld>
+  <p:clrMapOvr>
+    <a:masterClrMapping/>
+  </p:clrMapOvr>
+</p:notes>
+</file>
+
 <file path=ppt/notesSlides/notesSlide2.xml><?xml version="1.0" encoding="utf-8"?>
 <p:notes xmlns:a="http://schemas.openxmlformats.org/drawingml/2006/main" xmlns:r="http://schemas.openxmlformats.org/officeDocument/2006/relationships" xmlns:p="http://schemas.openxmlformats.org/presentationml/2006/main">
   <p:cSld>
@@ -675,46 +898,46 @@
           <a:lstStyle/>
           <a:p>
             <a:r>
-              <a:rPr lang="ko-KR" altLang="en-US" dirty="0" smtClean="0"/>
+              <a:rPr lang="ko-KR" altLang="en-US" dirty="0"/>
               <a:t>이 슬라이드는 </a:t>
             </a:r>
             <a:r>
-              <a:rPr lang="en-US" altLang="ko-KR" b="1" dirty="0" err="1" smtClean="0"/>
+              <a:rPr lang="en-US" altLang="ko-KR" b="1" dirty="0" err="1"/>
               <a:t>WinForms</a:t>
             </a:r>
             <a:r>
-              <a:rPr lang="en-US" altLang="ko-KR" b="1" dirty="0" smtClean="0"/>
+              <a:rPr lang="en-US" altLang="ko-KR" b="1" dirty="0"/>
               <a:t>/</a:t>
             </a:r>
             <a:r>
-              <a:rPr lang="ko-KR" altLang="en-US" b="1" dirty="0" smtClean="0"/>
+              <a:rPr lang="ko-KR" altLang="en-US" b="1" dirty="0"/>
               <a:t>초기 </a:t>
             </a:r>
             <a:r>
-              <a:rPr lang="en-US" altLang="ko-KR" b="1" dirty="0" smtClean="0"/>
+              <a:rPr lang="en-US" altLang="ko-KR" b="1" dirty="0"/>
               <a:t>.NET </a:t>
             </a:r>
             <a:r>
-              <a:rPr lang="ko-KR" altLang="en-US" b="1" dirty="0" smtClean="0"/>
+              <a:rPr lang="ko-KR" altLang="en-US" b="1" dirty="0"/>
               <a:t>교육자료에서 사용되던 </a:t>
             </a:r>
             <a:r>
-              <a:rPr lang="ko-KR" altLang="en-US" b="1" dirty="0" err="1" smtClean="0"/>
+              <a:rPr lang="ko-KR" altLang="en-US" b="1" dirty="0" err="1"/>
               <a:t>방식인듯</a:t>
             </a:r>
             <a:r>
-              <a:rPr lang="ko-KR" altLang="en-US" b="1" dirty="0" smtClean="0"/>
+              <a:rPr lang="ko-KR" altLang="en-US" b="1" dirty="0"/>
               <a:t> 함</a:t>
             </a:r>
-            <a:endParaRPr lang="en-US" altLang="ko-KR" b="1" dirty="0" smtClean="0"/>
-          </a:p>
-          <a:p>
-            <a:r>
-              <a:rPr lang="en-US" altLang="ko-KR" b="1" dirty="0" smtClean="0"/>
+            <a:endParaRPr lang="en-US" altLang="ko-KR" b="1" dirty="0"/>
+          </a:p>
+          <a:p>
+            <a:r>
+              <a:rPr lang="en-US" altLang="ko-KR" b="1" dirty="0"/>
               <a:t>WPF</a:t>
             </a:r>
             <a:r>
-              <a:rPr lang="ko-KR" altLang="en-US" b="1" dirty="0" smtClean="0"/>
+              <a:rPr lang="ko-KR" altLang="en-US" b="1" dirty="0"/>
               <a:t>에선 안씀</a:t>
             </a:r>
             <a:endParaRPr lang="ko-KR" altLang="en-US" dirty="0"/>
@@ -802,278 +1025,277 @@
           <a:lstStyle/>
           <a:p>
             <a:r>
-              <a:rPr lang="en-US" altLang="ko-KR" dirty="0" smtClean="0"/>
+              <a:rPr lang="en-US" altLang="ko-KR" dirty="0"/>
               <a:t>URI</a:t>
             </a:r>
             <a:r>
-              <a:rPr lang="ko-KR" altLang="en-US" dirty="0" smtClean="0"/>
+              <a:rPr lang="ko-KR" altLang="en-US" dirty="0"/>
               <a:t>는 컴퓨터가 접근할 수 있는 자원</a:t>
             </a:r>
             <a:r>
-              <a:rPr lang="en-US" altLang="ko-KR" dirty="0" smtClean="0"/>
+              <a:rPr lang="en-US" altLang="ko-KR" dirty="0"/>
               <a:t>(</a:t>
             </a:r>
             <a:r>
-              <a:rPr lang="ko-KR" altLang="en-US" dirty="0" smtClean="0"/>
+              <a:rPr lang="ko-KR" altLang="en-US" dirty="0"/>
               <a:t>리소스</a:t>
             </a:r>
             <a:r>
-              <a:rPr lang="en-US" altLang="ko-KR" dirty="0" smtClean="0"/>
+              <a:rPr lang="en-US" altLang="ko-KR" dirty="0"/>
               <a:t>)</a:t>
             </a:r>
             <a:r>
-              <a:rPr lang="ko-KR" altLang="en-US" dirty="0" smtClean="0"/>
+              <a:rPr lang="ko-KR" altLang="en-US" dirty="0"/>
               <a:t>의 위치를 식별하는 문자열</a:t>
             </a:r>
-            <a:endParaRPr lang="en-US" altLang="ko-KR" dirty="0" smtClean="0"/>
-          </a:p>
-          <a:p>
-            <a:r>
-              <a:rPr lang="ko-KR" altLang="en-US" dirty="0" err="1" smtClean="0"/>
+            <a:endParaRPr lang="en-US" altLang="ko-KR" dirty="0"/>
+          </a:p>
+          <a:p>
+            <a:r>
+              <a:rPr lang="ko-KR" altLang="en-US" dirty="0" err="1"/>
               <a:t>웹페이지</a:t>
             </a:r>
             <a:r>
-              <a:rPr lang="ko-KR" altLang="en-US" dirty="0" smtClean="0"/>
+              <a:rPr lang="ko-KR" altLang="en-US" dirty="0"/>
               <a:t> 주소</a:t>
             </a:r>
             <a:r>
-              <a:rPr lang="en-US" altLang="ko-KR" dirty="0" smtClean="0"/>
+              <a:rPr lang="en-US" altLang="ko-KR" dirty="0"/>
               <a:t>: https://www.naver.com</a:t>
             </a:r>
           </a:p>
           <a:p>
             <a:r>
-              <a:rPr lang="ko-KR" altLang="en-US" dirty="0" smtClean="0"/>
+              <a:rPr lang="ko-KR" altLang="en-US" dirty="0"/>
               <a:t>로컬 파일 경로</a:t>
             </a:r>
             <a:r>
-              <a:rPr lang="en-US" altLang="ko-KR" dirty="0" smtClean="0"/>
+              <a:rPr lang="en-US" altLang="ko-KR" dirty="0"/>
               <a:t>: C:/Users/damon/dog.jpg</a:t>
             </a:r>
           </a:p>
           <a:p>
             <a:r>
-              <a:rPr lang="ko-KR" altLang="en-US" dirty="0" smtClean="0"/>
+              <a:rPr lang="ko-KR" altLang="en-US" dirty="0"/>
               <a:t>이메일 주소</a:t>
             </a:r>
             <a:r>
-              <a:rPr lang="en-US" altLang="ko-KR" dirty="0" smtClean="0"/>
+              <a:rPr lang="en-US" altLang="ko-KR" dirty="0"/>
               <a:t>: mailto:hello@example.com</a:t>
             </a:r>
             <a:br>
-              <a:rPr lang="en-US" altLang="ko-KR" dirty="0" smtClean="0"/>
+              <a:rPr lang="en-US" altLang="ko-KR" dirty="0"/>
             </a:br>
             <a:r>
-              <a:rPr lang="ko-KR" altLang="en-US" dirty="0" smtClean="0"/>
+              <a:rPr lang="ko-KR" altLang="en-US" dirty="0"/>
               <a:t>이런 건 전부 </a:t>
             </a:r>
             <a:r>
-              <a:rPr lang="en-US" altLang="ko-KR" dirty="0" smtClean="0"/>
+              <a:rPr lang="en-US" altLang="ko-KR" dirty="0"/>
               <a:t>URI</a:t>
             </a:r>
             <a:r>
-              <a:rPr lang="ko-KR" altLang="en-US" dirty="0" smtClean="0"/>
+              <a:rPr lang="ko-KR" altLang="en-US" dirty="0"/>
               <a:t>입니다</a:t>
             </a:r>
             <a:r>
-              <a:rPr lang="en-US" altLang="ko-KR" dirty="0" smtClean="0"/>
+              <a:rPr lang="en-US" altLang="ko-KR" dirty="0"/>
               <a:t>.</a:t>
             </a:r>
           </a:p>
           <a:p>
-            <a:endParaRPr lang="en-US" altLang="ko-KR" dirty="0" smtClean="0"/>
-          </a:p>
-          <a:p>
-            <a:r>
-              <a:rPr lang="en-US" altLang="ko-KR" dirty="0" smtClean="0"/>
+            <a:endParaRPr lang="en-US" altLang="ko-KR" dirty="0"/>
+          </a:p>
+          <a:p>
+            <a:r>
+              <a:rPr lang="en-US" altLang="ko-KR" dirty="0"/>
               <a:t>URL</a:t>
             </a:r>
             <a:r>
-              <a:rPr lang="ko-KR" altLang="en-US" dirty="0" smtClean="0"/>
+              <a:rPr lang="ko-KR" altLang="en-US" dirty="0"/>
               <a:t>은 </a:t>
             </a:r>
             <a:r>
-              <a:rPr lang="en-US" altLang="ko-KR" dirty="0" smtClean="0"/>
+              <a:rPr lang="en-US" altLang="ko-KR" dirty="0"/>
               <a:t>URI</a:t>
             </a:r>
             <a:r>
-              <a:rPr lang="ko-KR" altLang="en-US" dirty="0" smtClean="0"/>
+              <a:rPr lang="ko-KR" altLang="en-US" dirty="0"/>
               <a:t>의 일종</a:t>
             </a:r>
-            <a:endParaRPr lang="en-US" altLang="ko-KR" dirty="0" smtClean="0"/>
-          </a:p>
-          <a:p>
-            <a:r>
-              <a:rPr lang="en-US" altLang="ko-KR" dirty="0" smtClean="0"/>
+            <a:endParaRPr lang="en-US" altLang="ko-KR" dirty="0"/>
+          </a:p>
+          <a:p>
+            <a:r>
+              <a:rPr lang="en-US" altLang="ko-KR" dirty="0"/>
               <a:t>URI </a:t>
             </a:r>
             <a:r>
-              <a:rPr lang="ko-KR" altLang="en-US" dirty="0" smtClean="0"/>
+              <a:rPr lang="ko-KR" altLang="en-US" dirty="0"/>
               <a:t>중 </a:t>
             </a:r>
             <a:r>
-              <a:rPr lang="en-US" altLang="ko-KR" dirty="0" smtClean="0"/>
+              <a:rPr lang="en-US" altLang="ko-KR" dirty="0"/>
               <a:t>"</a:t>
             </a:r>
             <a:r>
-              <a:rPr lang="ko-KR" altLang="en-US" dirty="0" smtClean="0"/>
+              <a:rPr lang="ko-KR" altLang="en-US" dirty="0"/>
               <a:t>위치</a:t>
             </a:r>
             <a:r>
-              <a:rPr lang="en-US" altLang="ko-KR" dirty="0" smtClean="0"/>
+              <a:rPr lang="en-US" altLang="ko-KR" dirty="0"/>
               <a:t>(Location)"</a:t>
             </a:r>
             <a:r>
-              <a:rPr lang="ko-KR" altLang="en-US" dirty="0" smtClean="0"/>
+              <a:rPr lang="ko-KR" altLang="en-US" dirty="0"/>
               <a:t>를 포함한 것 </a:t>
             </a:r>
             <a:r>
-              <a:rPr lang="en-US" altLang="ko-KR" dirty="0" smtClean="0"/>
+              <a:rPr lang="en-US" altLang="ko-KR" dirty="0"/>
               <a:t>https://www.google.com</a:t>
             </a:r>
           </a:p>
           <a:p>
-            <a:endParaRPr lang="en-US" altLang="ko-KR" b="1" dirty="0" smtClean="0"/>
-          </a:p>
-          <a:p>
-            <a:r>
-              <a:rPr lang="en-US" altLang="ko-KR" b="1" dirty="0" smtClean="0"/>
+            <a:endParaRPr lang="en-US" altLang="ko-KR" b="1" dirty="0"/>
+          </a:p>
+          <a:p>
+            <a:r>
+              <a:rPr lang="en-US" altLang="ko-KR" b="1" dirty="0"/>
               <a:t>C#</a:t>
             </a:r>
             <a:r>
-              <a:rPr lang="ko-KR" altLang="en-US" b="1" dirty="0" smtClean="0"/>
+              <a:rPr lang="ko-KR" altLang="en-US" b="1" dirty="0"/>
               <a:t>에서 </a:t>
             </a:r>
             <a:r>
-              <a:rPr lang="en-US" altLang="ko-KR" b="1" dirty="0" smtClean="0"/>
+              <a:rPr lang="en-US" altLang="ko-KR" b="1" dirty="0"/>
               <a:t>URL</a:t>
             </a:r>
             <a:r>
-              <a:rPr lang="ko-KR" altLang="en-US" b="1" dirty="0" smtClean="0"/>
+              <a:rPr lang="ko-KR" altLang="en-US" b="1" dirty="0"/>
               <a:t>를 </a:t>
             </a:r>
             <a:r>
-              <a:rPr lang="ko-KR" altLang="en-US" b="1" dirty="0" err="1" smtClean="0"/>
+              <a:rPr lang="ko-KR" altLang="en-US" b="1" dirty="0" err="1"/>
               <a:t>왜써</a:t>
             </a:r>
             <a:r>
-              <a:rPr lang="en-US" altLang="ko-KR" b="1" dirty="0" smtClean="0"/>
+              <a:rPr lang="en-US" altLang="ko-KR" b="1" dirty="0"/>
               <a:t>?</a:t>
             </a:r>
           </a:p>
           <a:p>
             <a:r>
-              <a:rPr lang="ko-KR" altLang="en-US" dirty="0" smtClean="0"/>
+              <a:rPr lang="ko-KR" altLang="en-US" dirty="0"/>
               <a:t>이미지</a:t>
             </a:r>
             <a:r>
-              <a:rPr lang="en-US" altLang="ko-KR" dirty="0" smtClean="0"/>
+              <a:rPr lang="en-US" altLang="ko-KR" dirty="0"/>
               <a:t>, </a:t>
             </a:r>
             <a:r>
-              <a:rPr lang="ko-KR" altLang="en-US" dirty="0" smtClean="0"/>
+              <a:rPr lang="ko-KR" altLang="en-US" dirty="0"/>
               <a:t>웹사이트</a:t>
             </a:r>
             <a:r>
-              <a:rPr lang="en-US" altLang="ko-KR" dirty="0" smtClean="0"/>
+              <a:rPr lang="en-US" altLang="ko-KR" dirty="0"/>
               <a:t>, </a:t>
             </a:r>
             <a:r>
-              <a:rPr lang="ko-KR" altLang="en-US" dirty="0" smtClean="0"/>
+              <a:rPr lang="ko-KR" altLang="en-US" dirty="0"/>
               <a:t>파일</a:t>
             </a:r>
             <a:r>
-              <a:rPr lang="en-US" altLang="ko-KR" dirty="0" smtClean="0"/>
+              <a:rPr lang="en-US" altLang="ko-KR" dirty="0"/>
               <a:t>, </a:t>
             </a:r>
             <a:r>
-              <a:rPr lang="ko-KR" altLang="en-US" dirty="0" smtClean="0"/>
+              <a:rPr lang="ko-KR" altLang="en-US" dirty="0"/>
               <a:t>리소스 등 </a:t>
             </a:r>
             <a:r>
-              <a:rPr lang="ko-KR" altLang="en-US" b="1" dirty="0" smtClean="0"/>
+              <a:rPr lang="ko-KR" altLang="en-US" b="1" dirty="0"/>
               <a:t>경로를 안전하게 표현</a:t>
             </a:r>
             <a:r>
-              <a:rPr lang="ko-KR" altLang="en-US" dirty="0" smtClean="0"/>
+              <a:rPr lang="ko-KR" altLang="en-US" dirty="0"/>
               <a:t>하기 위해 사용</a:t>
             </a:r>
-            <a:endParaRPr lang="en-US" altLang="ko-KR" b="1" dirty="0" smtClean="0"/>
-          </a:p>
-          <a:p>
-            <a:r>
-              <a:rPr lang="ko-KR" altLang="en-US" dirty="0" smtClean="0"/>
+            <a:endParaRPr lang="en-US" altLang="ko-KR" b="1" dirty="0"/>
+          </a:p>
+          <a:p>
+            <a:r>
+              <a:rPr lang="ko-KR" altLang="en-US" dirty="0"/>
               <a:t>경로로 문자열 대신 </a:t>
             </a:r>
             <a:r>
-              <a:rPr lang="en-US" altLang="ko-KR" dirty="0" smtClean="0"/>
+              <a:rPr lang="en-US" altLang="ko-KR" dirty="0"/>
               <a:t>Uri </a:t>
             </a:r>
             <a:r>
-              <a:rPr lang="ko-KR" altLang="en-US" dirty="0" smtClean="0"/>
+              <a:rPr lang="ko-KR" altLang="en-US" dirty="0"/>
               <a:t>객체</a:t>
             </a:r>
-            <a:endParaRPr lang="en-US" altLang="ko-KR" dirty="0" smtClean="0"/>
-          </a:p>
-          <a:p>
-            <a:endParaRPr lang="en-US" altLang="ko-KR" b="1" dirty="0" smtClean="0"/>
-          </a:p>
-          <a:p>
-            <a:r>
-              <a:rPr lang="en-US" altLang="ko-KR" dirty="0" err="1" smtClean="0"/>
+            <a:endParaRPr lang="en-US" altLang="ko-KR" dirty="0"/>
+          </a:p>
+          <a:p>
+            <a:endParaRPr lang="en-US" altLang="ko-KR" b="1" dirty="0"/>
+          </a:p>
+          <a:p>
+            <a:r>
+              <a:rPr lang="en-US" altLang="ko-KR" dirty="0" err="1"/>
               <a:t>siteUri</a:t>
             </a:r>
             <a:r>
-              <a:rPr lang="en-US" altLang="ko-KR" dirty="0" smtClean="0"/>
+              <a:rPr lang="en-US" altLang="ko-KR" dirty="0"/>
               <a:t>: </a:t>
             </a:r>
             <a:r>
-              <a:rPr lang="ko-KR" altLang="en-US" dirty="0" smtClean="0"/>
+              <a:rPr lang="ko-KR" altLang="en-US" dirty="0"/>
               <a:t>웹 사이트 주소를 나타내는 </a:t>
             </a:r>
             <a:r>
-              <a:rPr lang="en-US" altLang="ko-KR" dirty="0" smtClean="0"/>
+              <a:rPr lang="en-US" altLang="ko-KR" dirty="0"/>
               <a:t>Uri </a:t>
             </a:r>
             <a:r>
-              <a:rPr lang="ko-KR" altLang="en-US" dirty="0" smtClean="0"/>
+              <a:rPr lang="ko-KR" altLang="en-US" dirty="0"/>
               <a:t>객체 </a:t>
             </a:r>
             <a:r>
-              <a:rPr lang="en-US" altLang="ko-KR" dirty="0" smtClean="0"/>
+              <a:rPr lang="en-US" altLang="ko-KR" dirty="0"/>
               <a:t>– </a:t>
             </a:r>
             <a:r>
-              <a:rPr lang="ko-KR" altLang="en-US" dirty="0" smtClean="0"/>
+              <a:rPr lang="ko-KR" altLang="en-US" dirty="0"/>
               <a:t>그 중 </a:t>
             </a:r>
             <a:r>
-              <a:rPr lang="en-US" altLang="ko-KR" dirty="0" smtClean="0"/>
+              <a:rPr lang="en-US" altLang="ko-KR" dirty="0"/>
               <a:t>URL</a:t>
             </a:r>
           </a:p>
           <a:p>
             <a:r>
-              <a:rPr lang="en-US" altLang="ko-KR" dirty="0" err="1" smtClean="0"/>
+              <a:rPr lang="en-US" altLang="ko-KR" dirty="0" err="1"/>
               <a:t>fileUri</a:t>
             </a:r>
             <a:r>
-              <a:rPr lang="en-US" altLang="ko-KR" dirty="0" smtClean="0"/>
+              <a:rPr lang="en-US" altLang="ko-KR" dirty="0"/>
               <a:t>: </a:t>
             </a:r>
             <a:r>
-              <a:rPr lang="ko-KR" altLang="en-US" dirty="0" smtClean="0"/>
+              <a:rPr lang="ko-KR" altLang="en-US" dirty="0"/>
               <a:t>윈도우의 파일 경로를 나타내는 </a:t>
             </a:r>
             <a:r>
-              <a:rPr lang="en-US" altLang="ko-KR" dirty="0" smtClean="0"/>
+              <a:rPr lang="en-US" altLang="ko-KR" dirty="0"/>
               <a:t>Uri </a:t>
             </a:r>
             <a:r>
-              <a:rPr lang="ko-KR" altLang="en-US" dirty="0" smtClean="0"/>
+              <a:rPr lang="ko-KR" altLang="en-US" dirty="0"/>
               <a:t>객체</a:t>
             </a:r>
-            <a:endParaRPr lang="ko-KR" altLang="en-US" dirty="0"/>
           </a:p>
         </p:txBody>
       </p:sp>
@@ -1158,394 +1380,389 @@
           <a:lstStyle/>
           <a:p>
             <a:r>
-              <a:rPr lang="en-US" altLang="ko-KR" dirty="0" smtClean="0"/>
+              <a:rPr lang="en-US" altLang="ko-KR" dirty="0"/>
               <a:t>C#</a:t>
             </a:r>
             <a:r>
-              <a:rPr lang="ko-KR" altLang="en-US" dirty="0" smtClean="0"/>
+              <a:rPr lang="ko-KR" altLang="en-US" dirty="0"/>
               <a:t>의 </a:t>
             </a:r>
             <a:r>
-              <a:rPr lang="en-US" altLang="ko-KR" dirty="0" smtClean="0"/>
+              <a:rPr lang="en-US" altLang="ko-KR" dirty="0"/>
               <a:t>Uri </a:t>
             </a:r>
             <a:r>
-              <a:rPr lang="ko-KR" altLang="en-US" dirty="0" smtClean="0"/>
+              <a:rPr lang="ko-KR" altLang="en-US" dirty="0"/>
               <a:t>클래스는 경로가 어떤 방식인지 명확히 알려줘야 합니다</a:t>
             </a:r>
-            <a:endParaRPr lang="en-US" altLang="ko-KR" dirty="0" smtClean="0"/>
-          </a:p>
-          <a:p>
-            <a:r>
-              <a:rPr lang="en-US" altLang="ko-KR" dirty="0" smtClean="0"/>
+            <a:endParaRPr lang="en-US" altLang="ko-KR" dirty="0"/>
+          </a:p>
+          <a:p>
+            <a:r>
+              <a:rPr lang="en-US" altLang="ko-KR" dirty="0"/>
               <a:t>new Uri(</a:t>
             </a:r>
             <a:r>
-              <a:rPr lang="ko-KR" altLang="en-US" dirty="0" smtClean="0"/>
+              <a:rPr lang="ko-KR" altLang="en-US" dirty="0"/>
               <a:t>경로</a:t>
             </a:r>
             <a:r>
-              <a:rPr lang="en-US" altLang="ko-KR" dirty="0" smtClean="0"/>
+              <a:rPr lang="en-US" altLang="ko-KR" dirty="0"/>
               <a:t>, </a:t>
             </a:r>
             <a:r>
-              <a:rPr lang="en-US" altLang="ko-KR" dirty="0" err="1" smtClean="0"/>
+              <a:rPr lang="en-US" altLang="ko-KR" dirty="0" err="1"/>
               <a:t>UriKind</a:t>
             </a:r>
             <a:r>
-              <a:rPr lang="en-US" altLang="ko-KR" dirty="0" smtClean="0"/>
+              <a:rPr lang="en-US" altLang="ko-KR" dirty="0"/>
               <a:t>.???) </a:t>
             </a:r>
             <a:r>
-              <a:rPr lang="ko-KR" altLang="en-US" dirty="0" smtClean="0"/>
+              <a:rPr lang="ko-KR" altLang="en-US" dirty="0"/>
               <a:t>형태로 </a:t>
             </a:r>
             <a:r>
-              <a:rPr lang="ko-KR" altLang="en-US" b="1" dirty="0" smtClean="0"/>
+              <a:rPr lang="ko-KR" altLang="en-US" b="1" dirty="0"/>
               <a:t>경로 타입을 선택</a:t>
             </a:r>
-            <a:endParaRPr lang="en-US" altLang="ko-KR" b="1" dirty="0" smtClean="0"/>
-          </a:p>
-          <a:p>
-            <a:endParaRPr lang="en-US" altLang="ko-KR" b="1" dirty="0" smtClean="0"/>
-          </a:p>
-          <a:p>
-            <a:r>
-              <a:rPr lang="en-US" altLang="ko-KR" dirty="0" smtClean="0"/>
+            <a:endParaRPr lang="en-US" altLang="ko-KR" b="1" dirty="0"/>
+          </a:p>
+          <a:p>
+            <a:endParaRPr lang="en-US" altLang="ko-KR" b="1" dirty="0"/>
+          </a:p>
+          <a:p>
+            <a:r>
+              <a:rPr lang="en-US" altLang="ko-KR" dirty="0"/>
               <a:t>// [1] </a:t>
             </a:r>
             <a:r>
-              <a:rPr lang="ko-KR" altLang="en-US" dirty="0" err="1" smtClean="0"/>
+              <a:rPr lang="ko-KR" altLang="en-US" dirty="0" err="1"/>
               <a:t>상대경로</a:t>
             </a:r>
             <a:r>
-              <a:rPr lang="ko-KR" altLang="en-US" dirty="0" smtClean="0"/>
+              <a:rPr lang="ko-KR" altLang="en-US" dirty="0"/>
               <a:t> </a:t>
             </a:r>
             <a:r>
-              <a:rPr lang="en-US" altLang="ko-KR" dirty="0" smtClean="0"/>
+              <a:rPr lang="en-US" altLang="ko-KR" dirty="0"/>
               <a:t>+ Resource </a:t>
             </a:r>
             <a:r>
-              <a:rPr lang="ko-KR" altLang="en-US" dirty="0" smtClean="0"/>
+              <a:rPr lang="ko-KR" altLang="en-US" dirty="0"/>
               <a:t>방식 </a:t>
             </a:r>
             <a:r>
-              <a:rPr lang="en-US" altLang="ko-KR" dirty="0" smtClean="0"/>
+              <a:rPr lang="en-US" altLang="ko-KR" dirty="0"/>
               <a:t>(Pack URI </a:t>
             </a:r>
             <a:r>
-              <a:rPr lang="ko-KR" altLang="en-US" dirty="0" smtClean="0"/>
+              <a:rPr lang="ko-KR" altLang="en-US" dirty="0"/>
               <a:t>형식 </a:t>
             </a:r>
             <a:r>
-              <a:rPr lang="ko-KR" altLang="en-US" dirty="0" err="1" smtClean="0"/>
+              <a:rPr lang="ko-KR" altLang="en-US" dirty="0" err="1"/>
               <a:t>축약형</a:t>
             </a:r>
             <a:r>
-              <a:rPr lang="en-US" altLang="ko-KR" dirty="0" smtClean="0"/>
+              <a:rPr lang="en-US" altLang="ko-KR" dirty="0"/>
               <a:t>) - </a:t>
             </a:r>
             <a:r>
-              <a:rPr lang="ko-KR" altLang="en-US" dirty="0" smtClean="0"/>
+              <a:rPr lang="ko-KR" altLang="en-US" dirty="0"/>
               <a:t>실행파일 기준 상대경로로 해석</a:t>
             </a:r>
-            <a:endParaRPr lang="en-US" altLang="ko-KR" dirty="0" smtClean="0"/>
-          </a:p>
-          <a:p>
-            <a:r>
-              <a:rPr lang="en-US" altLang="ko-KR" dirty="0" err="1" smtClean="0"/>
+            <a:endParaRPr lang="en-US" altLang="ko-KR" dirty="0"/>
+          </a:p>
+          <a:p>
+            <a:r>
+              <a:rPr lang="en-US" altLang="ko-KR" dirty="0" err="1"/>
               <a:t>var</a:t>
             </a:r>
             <a:r>
-              <a:rPr lang="en-US" altLang="ko-KR" dirty="0" smtClean="0"/>
+              <a:rPr lang="en-US" altLang="ko-KR" dirty="0"/>
               <a:t> uriSource1 = new Uri(@"/WpfApp3;component/Resources/dog.jpg", </a:t>
             </a:r>
             <a:r>
-              <a:rPr lang="en-US" altLang="ko-KR" dirty="0" err="1" smtClean="0"/>
+              <a:rPr lang="en-US" altLang="ko-KR" dirty="0" err="1"/>
               <a:t>UriKind.Relative</a:t>
             </a:r>
             <a:r>
-              <a:rPr lang="en-US" altLang="ko-KR" dirty="0" smtClean="0"/>
+              <a:rPr lang="en-US" altLang="ko-KR" dirty="0"/>
               <a:t>);</a:t>
             </a:r>
           </a:p>
           <a:p>
-            <a:endParaRPr lang="en-US" altLang="ko-KR" dirty="0" smtClean="0"/>
-          </a:p>
-          <a:p>
-            <a:r>
-              <a:rPr lang="en-US" altLang="ko-KR" dirty="0" smtClean="0"/>
+            <a:endParaRPr lang="en-US" altLang="ko-KR" dirty="0"/>
+          </a:p>
+          <a:p>
+            <a:r>
+              <a:rPr lang="en-US" altLang="ko-KR" dirty="0"/>
               <a:t>// [2] </a:t>
             </a:r>
             <a:r>
-              <a:rPr lang="ko-KR" altLang="en-US" dirty="0" err="1" smtClean="0"/>
+              <a:rPr lang="ko-KR" altLang="en-US" dirty="0" err="1"/>
               <a:t>절대경로</a:t>
             </a:r>
             <a:r>
-              <a:rPr lang="ko-KR" altLang="en-US" dirty="0" smtClean="0"/>
+              <a:rPr lang="ko-KR" altLang="en-US" dirty="0"/>
               <a:t> </a:t>
             </a:r>
             <a:r>
-              <a:rPr lang="en-US" altLang="ko-KR" dirty="0" smtClean="0"/>
+              <a:rPr lang="en-US" altLang="ko-KR" dirty="0"/>
               <a:t>- Content </a:t>
             </a:r>
             <a:r>
-              <a:rPr lang="ko-KR" altLang="en-US" dirty="0" smtClean="0"/>
+              <a:rPr lang="ko-KR" altLang="en-US" dirty="0"/>
               <a:t>방식</a:t>
             </a:r>
             <a:r>
-              <a:rPr lang="en-US" altLang="ko-KR" dirty="0" smtClean="0"/>
+              <a:rPr lang="en-US" altLang="ko-KR" dirty="0"/>
               <a:t>, </a:t>
             </a:r>
             <a:r>
-              <a:rPr lang="ko-KR" altLang="en-US" dirty="0" smtClean="0"/>
+              <a:rPr lang="ko-KR" altLang="en-US" dirty="0"/>
               <a:t>실제 파일 경로 </a:t>
             </a:r>
             <a:r>
-              <a:rPr lang="en-US" altLang="ko-KR" dirty="0" smtClean="0"/>
+              <a:rPr lang="en-US" altLang="ko-KR" dirty="0"/>
               <a:t>- C:\, http:// </a:t>
             </a:r>
             <a:r>
-              <a:rPr lang="ko-KR" altLang="en-US" dirty="0" smtClean="0"/>
+              <a:rPr lang="ko-KR" altLang="en-US" dirty="0"/>
               <a:t>등 </a:t>
             </a:r>
             <a:r>
-              <a:rPr lang="ko-KR" altLang="en-US" dirty="0" err="1" smtClean="0"/>
+              <a:rPr lang="ko-KR" altLang="en-US" dirty="0" err="1"/>
               <a:t>절대경로</a:t>
             </a:r>
             <a:r>
-              <a:rPr lang="ko-KR" altLang="en-US" dirty="0" smtClean="0"/>
+              <a:rPr lang="ko-KR" altLang="en-US" dirty="0"/>
               <a:t> 해석</a:t>
             </a:r>
           </a:p>
           <a:p>
             <a:r>
-              <a:rPr lang="en-US" altLang="ko-KR" dirty="0" err="1" smtClean="0"/>
+              <a:rPr lang="en-US" altLang="ko-KR" dirty="0" err="1"/>
               <a:t>var</a:t>
             </a:r>
             <a:r>
-              <a:rPr lang="en-US" altLang="ko-KR" dirty="0" smtClean="0"/>
+              <a:rPr lang="en-US" altLang="ko-KR" dirty="0"/>
               <a:t> uriSource2 = new Uri(@"D:/Source/WpfApp3/Resources/dog.jpg", </a:t>
             </a:r>
             <a:r>
-              <a:rPr lang="en-US" altLang="ko-KR" dirty="0" err="1" smtClean="0"/>
+              <a:rPr lang="en-US" altLang="ko-KR" dirty="0" err="1"/>
               <a:t>UriKind.Absolute</a:t>
             </a:r>
             <a:r>
-              <a:rPr lang="en-US" altLang="ko-KR" dirty="0" smtClean="0"/>
+              <a:rPr lang="en-US" altLang="ko-KR" dirty="0"/>
               <a:t>);</a:t>
             </a:r>
           </a:p>
           <a:p>
-            <a:endParaRPr lang="en-US" altLang="ko-KR" dirty="0" smtClean="0"/>
-          </a:p>
-          <a:p>
-            <a:r>
-              <a:rPr lang="en-US" altLang="ko-KR" dirty="0" smtClean="0"/>
+            <a:endParaRPr lang="en-US" altLang="ko-KR" dirty="0"/>
+          </a:p>
+          <a:p>
+            <a:r>
+              <a:rPr lang="en-US" altLang="ko-KR" dirty="0"/>
               <a:t>// [3] </a:t>
             </a:r>
             <a:r>
-              <a:rPr lang="ko-KR" altLang="en-US" dirty="0" smtClean="0"/>
+              <a:rPr lang="ko-KR" altLang="en-US" dirty="0"/>
               <a:t>상대 </a:t>
             </a:r>
             <a:r>
-              <a:rPr lang="en-US" altLang="ko-KR" dirty="0" smtClean="0"/>
+              <a:rPr lang="en-US" altLang="ko-KR" dirty="0"/>
               <a:t>or </a:t>
             </a:r>
             <a:r>
-              <a:rPr lang="ko-KR" altLang="en-US" dirty="0" smtClean="0"/>
+              <a:rPr lang="ko-KR" altLang="en-US" dirty="0"/>
               <a:t>절대 </a:t>
             </a:r>
             <a:r>
-              <a:rPr lang="ko-KR" altLang="en-US" dirty="0" err="1" smtClean="0"/>
+              <a:rPr lang="ko-KR" altLang="en-US" dirty="0" err="1"/>
               <a:t>자동판단</a:t>
             </a:r>
             <a:r>
-              <a:rPr lang="ko-KR" altLang="en-US" dirty="0" smtClean="0"/>
+              <a:rPr lang="ko-KR" altLang="en-US" dirty="0"/>
               <a:t> </a:t>
             </a:r>
             <a:r>
-              <a:rPr lang="en-US" altLang="ko-KR" dirty="0" smtClean="0"/>
+              <a:rPr lang="en-US" altLang="ko-KR" dirty="0"/>
               <a:t>- </a:t>
             </a:r>
             <a:r>
-              <a:rPr lang="ko-KR" altLang="en-US" dirty="0" smtClean="0"/>
+              <a:rPr lang="ko-KR" altLang="en-US" dirty="0"/>
               <a:t>둘 중 자동 판별</a:t>
             </a:r>
           </a:p>
           <a:p>
             <a:r>
-              <a:rPr lang="en-US" altLang="ko-KR" dirty="0" err="1" smtClean="0"/>
+              <a:rPr lang="en-US" altLang="ko-KR" dirty="0" err="1"/>
               <a:t>var</a:t>
             </a:r>
             <a:r>
-              <a:rPr lang="en-US" altLang="ko-KR" dirty="0" smtClean="0"/>
+              <a:rPr lang="en-US" altLang="ko-KR" dirty="0"/>
               <a:t> uriSource3 = new Uri(@"/WpfApp3;component/Resources/dog.jpg", </a:t>
             </a:r>
             <a:r>
-              <a:rPr lang="en-US" altLang="ko-KR" dirty="0" err="1" smtClean="0"/>
+              <a:rPr lang="en-US" altLang="ko-KR" dirty="0" err="1"/>
               <a:t>UriKind.RelativeOrAbsolute</a:t>
             </a:r>
             <a:r>
-              <a:rPr lang="en-US" altLang="ko-KR" dirty="0" smtClean="0"/>
+              <a:rPr lang="en-US" altLang="ko-KR" dirty="0"/>
               <a:t>);</a:t>
             </a:r>
           </a:p>
           <a:p>
-            <a:endParaRPr lang="en-US" altLang="ko-KR" dirty="0" smtClean="0"/>
-          </a:p>
-          <a:p>
-            <a:r>
-              <a:rPr lang="en-US" altLang="ko-KR" dirty="0" smtClean="0"/>
+            <a:endParaRPr lang="en-US" altLang="ko-KR" dirty="0"/>
+          </a:p>
+          <a:p>
+            <a:r>
+              <a:rPr lang="en-US" altLang="ko-KR" dirty="0"/>
               <a:t>@?</a:t>
             </a:r>
           </a:p>
           <a:p>
             <a:r>
-              <a:rPr lang="en-US" altLang="ko-KR" dirty="0" smtClean="0"/>
+              <a:rPr lang="en-US" altLang="ko-KR" dirty="0"/>
               <a:t>(</a:t>
             </a:r>
             <a:r>
-              <a:rPr lang="ko-KR" altLang="en-US" dirty="0" smtClean="0"/>
+              <a:rPr lang="ko-KR" altLang="en-US" dirty="0"/>
               <a:t>있는 그대로의 문자열</a:t>
             </a:r>
             <a:r>
-              <a:rPr lang="en-US" altLang="ko-KR" dirty="0" smtClean="0"/>
+              <a:rPr lang="en-US" altLang="ko-KR" dirty="0"/>
               <a:t>)</a:t>
             </a:r>
           </a:p>
           <a:p>
             <a:r>
-              <a:rPr lang="ko-KR" altLang="en-US" dirty="0" smtClean="0"/>
+              <a:rPr lang="ko-KR" altLang="en-US" dirty="0"/>
               <a:t>경로에서 </a:t>
             </a:r>
             <a:r>
-              <a:rPr lang="en-US" altLang="ko-KR" dirty="0" smtClean="0"/>
+              <a:rPr lang="en-US" altLang="ko-KR" dirty="0"/>
               <a:t>\ </a:t>
             </a:r>
             <a:r>
-              <a:rPr lang="ko-KR" altLang="en-US" dirty="0" smtClean="0"/>
+              <a:rPr lang="ko-KR" altLang="en-US" dirty="0"/>
               <a:t>같은 이스케이프 문자를 피하기 위해 사용</a:t>
             </a:r>
-            <a:endParaRPr lang="en-US" altLang="ko-KR" dirty="0" smtClean="0"/>
-          </a:p>
-          <a:p>
-            <a:endParaRPr lang="en-US" altLang="ko-KR" dirty="0" smtClean="0"/>
-          </a:p>
-          <a:p>
-            <a:r>
-              <a:rPr lang="en-US" altLang="ko-KR" dirty="0" smtClean="0"/>
+            <a:endParaRPr lang="en-US" altLang="ko-KR" dirty="0"/>
+          </a:p>
+          <a:p>
+            <a:endParaRPr lang="en-US" altLang="ko-KR" dirty="0"/>
+          </a:p>
+          <a:p>
+            <a:r>
+              <a:rPr lang="en-US" altLang="ko-KR" dirty="0"/>
               <a:t>Pack URI</a:t>
             </a:r>
             <a:r>
-              <a:rPr lang="ko-KR" altLang="en-US" dirty="0" smtClean="0"/>
+              <a:rPr lang="ko-KR" altLang="en-US" dirty="0"/>
               <a:t>란</a:t>
             </a:r>
             <a:r>
-              <a:rPr lang="en-US" altLang="ko-KR" dirty="0" smtClean="0"/>
+              <a:rPr lang="en-US" altLang="ko-KR" dirty="0"/>
               <a:t>?</a:t>
             </a:r>
           </a:p>
           <a:p>
             <a:r>
-              <a:rPr lang="en-US" altLang="ko-KR" dirty="0" smtClean="0"/>
+              <a:rPr lang="en-US" altLang="ko-KR" dirty="0"/>
               <a:t>WPF </a:t>
             </a:r>
             <a:r>
-              <a:rPr lang="ko-KR" altLang="en-US" dirty="0" smtClean="0"/>
+              <a:rPr lang="ko-KR" altLang="en-US" dirty="0"/>
               <a:t>전용 리소스를 참조할 수 있는 특별한 </a:t>
             </a:r>
             <a:r>
-              <a:rPr lang="en-US" altLang="ko-KR" dirty="0" smtClean="0"/>
+              <a:rPr lang="en-US" altLang="ko-KR" dirty="0"/>
               <a:t>URI </a:t>
             </a:r>
             <a:r>
-              <a:rPr lang="ko-KR" altLang="en-US" dirty="0" smtClean="0"/>
+              <a:rPr lang="ko-KR" altLang="en-US" dirty="0"/>
               <a:t>체계</a:t>
             </a:r>
-            <a:endParaRPr lang="en-US" altLang="ko-KR" dirty="0" smtClean="0"/>
-          </a:p>
-          <a:p>
-            <a:r>
-              <a:rPr lang="en-US" altLang="ko-KR" dirty="0" smtClean="0"/>
+            <a:endParaRPr lang="en-US" altLang="ko-KR" dirty="0"/>
+          </a:p>
+          <a:p>
+            <a:r>
+              <a:rPr lang="en-US" altLang="ko-KR" dirty="0"/>
               <a:t>WPF</a:t>
             </a:r>
             <a:r>
-              <a:rPr lang="ko-KR" altLang="en-US" dirty="0" smtClean="0"/>
+              <a:rPr lang="ko-KR" altLang="en-US" dirty="0"/>
               <a:t>에서는 단순한 경로</a:t>
             </a:r>
             <a:r>
-              <a:rPr lang="en-US" altLang="ko-KR" dirty="0" smtClean="0"/>
+              <a:rPr lang="en-US" altLang="ko-KR" dirty="0"/>
               <a:t>("Assets/dog.jpg")</a:t>
             </a:r>
             <a:r>
-              <a:rPr lang="ko-KR" altLang="en-US" dirty="0" smtClean="0"/>
+              <a:rPr lang="ko-KR" altLang="en-US" dirty="0"/>
               <a:t>로는</a:t>
             </a:r>
             <a:br>
-              <a:rPr lang="ko-KR" altLang="en-US" dirty="0" smtClean="0"/>
+              <a:rPr lang="ko-KR" altLang="en-US" dirty="0"/>
             </a:br>
             <a:r>
-              <a:rPr lang="ko-KR" altLang="en-US" dirty="0" smtClean="0"/>
+              <a:rPr lang="ko-KR" altLang="en-US" dirty="0"/>
               <a:t>외부 </a:t>
             </a:r>
             <a:r>
-              <a:rPr lang="en-US" altLang="ko-KR" dirty="0" smtClean="0"/>
+              <a:rPr lang="en-US" altLang="ko-KR" dirty="0"/>
               <a:t>DLL</a:t>
             </a:r>
             <a:r>
-              <a:rPr lang="ko-KR" altLang="en-US" dirty="0" smtClean="0"/>
+              <a:rPr lang="ko-KR" altLang="en-US" dirty="0"/>
               <a:t>이나 </a:t>
             </a:r>
             <a:r>
-              <a:rPr lang="en-US" altLang="ko-KR" dirty="0" err="1" smtClean="0"/>
+              <a:rPr lang="en-US" altLang="ko-KR" dirty="0" err="1"/>
               <a:t>ResourceDictionary</a:t>
             </a:r>
             <a:r>
-              <a:rPr lang="en-US" altLang="ko-KR" dirty="0" smtClean="0"/>
+              <a:rPr lang="en-US" altLang="ko-KR" dirty="0"/>
               <a:t> </a:t>
             </a:r>
             <a:r>
-              <a:rPr lang="ko-KR" altLang="en-US" dirty="0" smtClean="0"/>
+              <a:rPr lang="ko-KR" altLang="en-US" dirty="0"/>
               <a:t>스타일에서 </a:t>
             </a:r>
             <a:r>
-              <a:rPr lang="ko-KR" altLang="en-US" b="1" dirty="0" smtClean="0"/>
+              <a:rPr lang="ko-KR" altLang="en-US" b="1" dirty="0"/>
               <a:t>리소스를 찾을 수 없는 경우가 많습니다</a:t>
             </a:r>
             <a:r>
-              <a:rPr lang="en-US" altLang="ko-KR" b="1" dirty="0" smtClean="0"/>
+              <a:rPr lang="en-US" altLang="ko-KR" b="1" dirty="0"/>
               <a:t>.</a:t>
             </a:r>
-            <a:r>
-              <a:rPr lang="ko-KR" altLang="en-US" dirty="0" smtClean="0"/>
-              <a:t/>
-            </a:r>
             <a:br>
-              <a:rPr lang="ko-KR" altLang="en-US" dirty="0" smtClean="0"/>
+              <a:rPr lang="ko-KR" altLang="en-US" dirty="0"/>
             </a:br>
             <a:r>
-              <a:rPr lang="ko-KR" altLang="en-US" dirty="0" smtClean="0"/>
+              <a:rPr lang="ko-KR" altLang="en-US" dirty="0"/>
               <a:t>그래서 정확히 경로를 지정하기 위해 </a:t>
             </a:r>
             <a:r>
-              <a:rPr lang="en-US" altLang="ko-KR" b="1" dirty="0" smtClean="0"/>
+              <a:rPr lang="en-US" altLang="ko-KR" b="1" dirty="0"/>
               <a:t>pack://</a:t>
             </a:r>
             <a:r>
-              <a:rPr lang="ko-KR" altLang="en-US" b="1" dirty="0" smtClean="0"/>
+              <a:rPr lang="ko-KR" altLang="en-US" b="1" dirty="0"/>
               <a:t>로 시작하는 </a:t>
             </a:r>
             <a:r>
-              <a:rPr lang="en-US" altLang="ko-KR" b="1" dirty="0" smtClean="0"/>
+              <a:rPr lang="en-US" altLang="ko-KR" b="1" dirty="0"/>
               <a:t>URI</a:t>
             </a:r>
             <a:r>
-              <a:rPr lang="ko-KR" altLang="en-US" dirty="0" smtClean="0"/>
+              <a:rPr lang="ko-KR" altLang="en-US" dirty="0"/>
               <a:t>를 사용</a:t>
             </a:r>
-            <a:endParaRPr lang="ko-KR" altLang="en-US" dirty="0"/>
           </a:p>
         </p:txBody>
       </p:sp>
@@ -1676,178 +1893,177 @@
               <a:t>관련 리소스를 정의할 때 사용</a:t>
             </a:r>
             <a:r>
-              <a:rPr lang="en-US" altLang="ko-KR" dirty="0" smtClean="0"/>
+              <a:rPr lang="en-US" altLang="ko-KR" dirty="0"/>
               <a:t>.</a:t>
             </a:r>
           </a:p>
           <a:p>
-            <a:endParaRPr lang="en-US" altLang="ko-KR" dirty="0" smtClean="0"/>
-          </a:p>
-          <a:p>
-            <a:r>
-              <a:rPr lang="en-US" altLang="ko-KR" dirty="0" smtClean="0"/>
+            <a:endParaRPr lang="en-US" altLang="ko-KR" dirty="0"/>
+          </a:p>
+          <a:p>
+            <a:r>
+              <a:rPr lang="en-US" altLang="ko-KR" dirty="0"/>
               <a:t>- Build Action</a:t>
             </a:r>
           </a:p>
           <a:p>
             <a:r>
-              <a:rPr lang="en-US" altLang="ko-KR" dirty="0" smtClean="0"/>
+              <a:rPr lang="en-US" altLang="ko-KR" dirty="0"/>
               <a:t>Visual Studio</a:t>
             </a:r>
             <a:r>
-              <a:rPr lang="ko-KR" altLang="en-US" dirty="0" smtClean="0"/>
+              <a:rPr lang="ko-KR" altLang="en-US" dirty="0"/>
               <a:t>에서 </a:t>
             </a:r>
             <a:r>
-              <a:rPr lang="ko-KR" altLang="en-US" b="1" dirty="0" smtClean="0"/>
+              <a:rPr lang="ko-KR" altLang="en-US" b="1" dirty="0"/>
               <a:t>파일을 프로젝트에 추가했을 때</a:t>
             </a:r>
             <a:r>
-              <a:rPr lang="en-US" altLang="ko-KR" dirty="0" smtClean="0"/>
+              <a:rPr lang="en-US" altLang="ko-KR" dirty="0"/>
               <a:t>,</a:t>
             </a:r>
             <a:br>
-              <a:rPr lang="en-US" altLang="ko-KR" dirty="0" smtClean="0"/>
+              <a:rPr lang="en-US" altLang="ko-KR" dirty="0"/>
             </a:br>
             <a:r>
-              <a:rPr lang="ko-KR" altLang="en-US" dirty="0" smtClean="0"/>
+              <a:rPr lang="ko-KR" altLang="en-US" dirty="0"/>
               <a:t>해당 파일을 </a:t>
             </a:r>
             <a:r>
-              <a:rPr lang="ko-KR" altLang="en-US" b="1" dirty="0" smtClean="0"/>
+              <a:rPr lang="ko-KR" altLang="en-US" b="1" dirty="0"/>
               <a:t>빌드할 때 어떻게 처리할지를 정하는 </a:t>
             </a:r>
             <a:r>
-              <a:rPr lang="ko-KR" altLang="en-US" b="1" dirty="0" err="1" smtClean="0"/>
+              <a:rPr lang="ko-KR" altLang="en-US" b="1" dirty="0" err="1"/>
               <a:t>설정값</a:t>
             </a:r>
-            <a:endParaRPr lang="en-US" altLang="ko-KR" b="1" dirty="0" smtClean="0"/>
-          </a:p>
-          <a:p>
-            <a:endParaRPr lang="en-US" altLang="ko-KR" b="1" dirty="0" smtClean="0"/>
-          </a:p>
-          <a:p>
-            <a:r>
-              <a:rPr lang="en-US" altLang="ko-KR" dirty="0" smtClean="0"/>
+            <a:endParaRPr lang="en-US" altLang="ko-KR" b="1" dirty="0"/>
+          </a:p>
+          <a:p>
+            <a:endParaRPr lang="en-US" altLang="ko-KR" b="1" dirty="0"/>
+          </a:p>
+          <a:p>
+            <a:r>
+              <a:rPr lang="en-US" altLang="ko-KR" dirty="0"/>
               <a:t>None</a:t>
             </a:r>
           </a:p>
           <a:p>
             <a:r>
-              <a:rPr lang="ko-KR" altLang="en-US" dirty="0" smtClean="0"/>
+              <a:rPr lang="ko-KR" altLang="en-US" dirty="0"/>
               <a:t>아무 작업 안 함</a:t>
             </a:r>
             <a:r>
-              <a:rPr lang="en-US" altLang="ko-KR" dirty="0" smtClean="0"/>
+              <a:rPr lang="en-US" altLang="ko-KR" dirty="0"/>
               <a:t>. </a:t>
             </a:r>
             <a:r>
-              <a:rPr lang="ko-KR" altLang="en-US" dirty="0" smtClean="0"/>
+              <a:rPr lang="ko-KR" altLang="en-US" dirty="0"/>
               <a:t>빌드 대상이 아님</a:t>
             </a:r>
-            <a:endParaRPr lang="en-US" altLang="ko-KR" dirty="0" smtClean="0"/>
-          </a:p>
-          <a:p>
-            <a:r>
-              <a:rPr lang="ko-KR" altLang="en-US" dirty="0" smtClean="0"/>
+            <a:endParaRPr lang="en-US" altLang="ko-KR" dirty="0"/>
+          </a:p>
+          <a:p>
+            <a:r>
+              <a:rPr lang="ko-KR" altLang="en-US" dirty="0"/>
               <a:t>실행 파일에도 포함 ❌</a:t>
             </a:r>
             <a:r>
-              <a:rPr lang="en-US" altLang="ko-KR" dirty="0" smtClean="0"/>
+              <a:rPr lang="en-US" altLang="ko-KR" dirty="0"/>
               <a:t>, </a:t>
             </a:r>
             <a:r>
-              <a:rPr lang="ko-KR" altLang="en-US" dirty="0" smtClean="0"/>
+              <a:rPr lang="ko-KR" altLang="en-US" dirty="0"/>
               <a:t>복사도 ❌</a:t>
             </a:r>
-            <a:endParaRPr lang="en-US" altLang="ko-KR" dirty="0" smtClean="0"/>
-          </a:p>
-          <a:p>
-            <a:endParaRPr lang="en-US" altLang="ko-KR" dirty="0" smtClean="0"/>
-          </a:p>
-          <a:p>
-            <a:r>
-              <a:rPr lang="en-US" altLang="ko-KR" dirty="0" smtClean="0"/>
+            <a:endParaRPr lang="en-US" altLang="ko-KR" dirty="0"/>
+          </a:p>
+          <a:p>
+            <a:endParaRPr lang="en-US" altLang="ko-KR" dirty="0"/>
+          </a:p>
+          <a:p>
+            <a:r>
+              <a:rPr lang="en-US" altLang="ko-KR" dirty="0"/>
               <a:t>Embedded Resource</a:t>
             </a:r>
           </a:p>
           <a:p>
             <a:r>
-              <a:rPr lang="en-US" altLang="ko-KR" dirty="0" smtClean="0"/>
+              <a:rPr lang="en-US" altLang="ko-KR" dirty="0"/>
               <a:t>DLL </a:t>
             </a:r>
             <a:r>
-              <a:rPr lang="ko-KR" altLang="en-US" dirty="0" smtClean="0"/>
+              <a:rPr lang="ko-KR" altLang="en-US" dirty="0"/>
               <a:t>또는 </a:t>
             </a:r>
             <a:r>
-              <a:rPr lang="en-US" altLang="ko-KR" dirty="0" smtClean="0"/>
+              <a:rPr lang="en-US" altLang="ko-KR" dirty="0"/>
               <a:t>EXE </a:t>
             </a:r>
             <a:r>
-              <a:rPr lang="ko-KR" altLang="en-US" dirty="0" smtClean="0"/>
+              <a:rPr lang="ko-KR" altLang="en-US" dirty="0"/>
               <a:t>안에 바이너리로 포함됨 </a:t>
             </a:r>
             <a:r>
-              <a:rPr lang="en-US" altLang="ko-KR" dirty="0" smtClean="0"/>
+              <a:rPr lang="en-US" altLang="ko-KR" dirty="0"/>
               <a:t>– WPF </a:t>
             </a:r>
             <a:r>
-              <a:rPr lang="ko-KR" altLang="en-US" dirty="0" smtClean="0"/>
+              <a:rPr lang="ko-KR" altLang="en-US" dirty="0"/>
               <a:t>에서 거의 안씀</a:t>
             </a:r>
-            <a:endParaRPr lang="en-US" altLang="ko-KR" dirty="0" smtClean="0"/>
-          </a:p>
-          <a:p>
-            <a:endParaRPr lang="en-US" altLang="ko-KR" dirty="0" smtClean="0"/>
-          </a:p>
-          <a:p>
-            <a:r>
-              <a:rPr lang="en-US" altLang="ko-KR" dirty="0" smtClean="0"/>
+            <a:endParaRPr lang="en-US" altLang="ko-KR" dirty="0"/>
+          </a:p>
+          <a:p>
+            <a:endParaRPr lang="en-US" altLang="ko-KR" dirty="0"/>
+          </a:p>
+          <a:p>
+            <a:r>
+              <a:rPr lang="en-US" altLang="ko-KR" dirty="0"/>
               <a:t>Resource</a:t>
             </a:r>
           </a:p>
           <a:p>
             <a:r>
-              <a:rPr lang="en-US" altLang="ko-KR" dirty="0" smtClean="0"/>
+              <a:rPr lang="en-US" altLang="ko-KR" dirty="0"/>
               <a:t>WPF</a:t>
             </a:r>
             <a:r>
-              <a:rPr lang="ko-KR" altLang="en-US" dirty="0" smtClean="0"/>
+              <a:rPr lang="ko-KR" altLang="en-US" dirty="0"/>
               <a:t>에서 </a:t>
             </a:r>
             <a:r>
-              <a:rPr lang="en-US" altLang="ko-KR" dirty="0" smtClean="0"/>
+              <a:rPr lang="en-US" altLang="ko-KR" dirty="0"/>
               <a:t>XAML </a:t>
             </a:r>
             <a:r>
-              <a:rPr lang="ko-KR" altLang="en-US" dirty="0" smtClean="0"/>
+              <a:rPr lang="ko-KR" altLang="en-US" dirty="0"/>
               <a:t>또는 </a:t>
             </a:r>
             <a:r>
-              <a:rPr lang="en-US" altLang="ko-KR" dirty="0" smtClean="0"/>
+              <a:rPr lang="en-US" altLang="ko-KR" dirty="0"/>
               <a:t>URI</a:t>
             </a:r>
             <a:r>
-              <a:rPr lang="ko-KR" altLang="en-US" dirty="0" smtClean="0"/>
+              <a:rPr lang="ko-KR" altLang="en-US" dirty="0"/>
               <a:t>로 접근 가능한 리소스</a:t>
             </a:r>
-            <a:endParaRPr lang="en-US" altLang="ko-KR" dirty="0" smtClean="0"/>
-          </a:p>
-          <a:p>
-            <a:r>
-              <a:rPr lang="ko-KR" altLang="en-US" dirty="0" smtClean="0"/>
+            <a:endParaRPr lang="en-US" altLang="ko-KR" dirty="0"/>
+          </a:p>
+          <a:p>
+            <a:r>
+              <a:rPr lang="ko-KR" altLang="en-US" dirty="0"/>
               <a:t>실행 파일 또는 </a:t>
             </a:r>
             <a:r>
-              <a:rPr lang="en-US" altLang="ko-KR" dirty="0" smtClean="0"/>
+              <a:rPr lang="en-US" altLang="ko-KR" dirty="0"/>
               <a:t>DLL </a:t>
             </a:r>
             <a:r>
-              <a:rPr lang="ko-KR" altLang="en-US" dirty="0" smtClean="0"/>
+              <a:rPr lang="ko-KR" altLang="en-US" dirty="0"/>
               <a:t>안에 포함됨</a:t>
             </a:r>
-            <a:endParaRPr lang="ko-KR" altLang="en-US" dirty="0"/>
           </a:p>
         </p:txBody>
       </p:sp>
@@ -2016,94 +2232,94 @@
           <a:lstStyle/>
           <a:p>
             <a:r>
-              <a:rPr lang="ko-KR" altLang="en-US" b="1" dirty="0" smtClean="0"/>
+              <a:rPr lang="ko-KR" altLang="en-US" b="1" dirty="0"/>
               <a:t>목표</a:t>
             </a:r>
-            <a:endParaRPr lang="ko-KR" altLang="en-US" dirty="0" smtClean="0"/>
-          </a:p>
-          <a:p>
-            <a:r>
-              <a:rPr lang="ko-KR" altLang="en-US" dirty="0" smtClean="0"/>
+            <a:endParaRPr lang="ko-KR" altLang="en-US" dirty="0"/>
+          </a:p>
+          <a:p>
+            <a:r>
+              <a:rPr lang="ko-KR" altLang="en-US" dirty="0"/>
               <a:t>사용자가 이미지 파일을 열면 버튼의 배경이 해당 이미지로 바뀌는 </a:t>
             </a:r>
             <a:r>
-              <a:rPr lang="en-US" altLang="ko-KR" dirty="0" smtClean="0"/>
+              <a:rPr lang="en-US" altLang="ko-KR" dirty="0"/>
               <a:t>WPF </a:t>
             </a:r>
             <a:r>
-              <a:rPr lang="ko-KR" altLang="en-US" dirty="0" smtClean="0"/>
+              <a:rPr lang="ko-KR" altLang="en-US" dirty="0"/>
               <a:t>프로그램 제작</a:t>
             </a:r>
           </a:p>
           <a:p>
             <a:r>
-              <a:rPr lang="ko-KR" altLang="en-US" b="1" dirty="0" smtClean="0"/>
+              <a:rPr lang="ko-KR" altLang="en-US" b="1" dirty="0"/>
               <a:t>필수 구현 항목</a:t>
             </a:r>
-            <a:endParaRPr lang="ko-KR" altLang="en-US" dirty="0" smtClean="0"/>
-          </a:p>
-          <a:p>
-            <a:r>
-              <a:rPr lang="en-US" altLang="ko-KR" dirty="0" err="1" smtClean="0"/>
+            <a:endParaRPr lang="ko-KR" altLang="en-US" dirty="0"/>
+          </a:p>
+          <a:p>
+            <a:r>
+              <a:rPr lang="en-US" altLang="ko-KR" dirty="0" err="1"/>
               <a:t>OpenFileDialog</a:t>
             </a:r>
             <a:r>
-              <a:rPr lang="ko-KR" altLang="en-US" dirty="0" smtClean="0"/>
+              <a:rPr lang="ko-KR" altLang="en-US" dirty="0"/>
               <a:t>로 이미지 파일 선택</a:t>
             </a:r>
           </a:p>
           <a:p>
             <a:r>
-              <a:rPr lang="ko-KR" altLang="en-US" dirty="0" smtClean="0"/>
+              <a:rPr lang="ko-KR" altLang="en-US" dirty="0"/>
               <a:t>선택한 이미지 경로를 </a:t>
             </a:r>
             <a:r>
-              <a:rPr lang="en-US" altLang="ko-KR" dirty="0" smtClean="0"/>
+              <a:rPr lang="en-US" altLang="ko-KR" dirty="0"/>
               <a:t>URI</a:t>
             </a:r>
             <a:r>
-              <a:rPr lang="ko-KR" altLang="en-US" dirty="0" smtClean="0"/>
+              <a:rPr lang="ko-KR" altLang="en-US" dirty="0"/>
               <a:t>로 가져와 버튼에 적용</a:t>
             </a:r>
           </a:p>
           <a:p>
             <a:r>
-              <a:rPr lang="ko-KR" altLang="en-US" dirty="0" smtClean="0"/>
+              <a:rPr lang="ko-KR" altLang="en-US" dirty="0"/>
               <a:t>버튼의 크기를 이미지 크기와 맞게 조절</a:t>
             </a:r>
           </a:p>
           <a:p>
             <a:r>
-              <a:rPr lang="en-US" altLang="ko-KR" dirty="0" err="1" smtClean="0"/>
+              <a:rPr lang="en-US" altLang="ko-KR" dirty="0" err="1"/>
               <a:t>Git</a:t>
             </a:r>
             <a:r>
-              <a:rPr lang="en-US" altLang="ko-KR" dirty="0" smtClean="0"/>
+              <a:rPr lang="en-US" altLang="ko-KR" dirty="0"/>
               <a:t> Repository </a:t>
             </a:r>
             <a:r>
-              <a:rPr lang="ko-KR" altLang="en-US" dirty="0" smtClean="0"/>
+              <a:rPr lang="ko-KR" altLang="en-US" dirty="0"/>
               <a:t>업로드 </a:t>
             </a:r>
             <a:r>
-              <a:rPr lang="en-US" altLang="ko-KR" dirty="0" smtClean="0"/>
+              <a:rPr lang="en-US" altLang="ko-KR" dirty="0"/>
               <a:t>(</a:t>
             </a:r>
             <a:r>
-              <a:rPr lang="ko-KR" altLang="en-US" dirty="0" smtClean="0"/>
+              <a:rPr lang="ko-KR" altLang="en-US" dirty="0"/>
               <a:t>작성자 과제 목적</a:t>
             </a:r>
             <a:r>
-              <a:rPr lang="en-US" altLang="ko-KR" dirty="0" smtClean="0"/>
+              <a:rPr lang="en-US" altLang="ko-KR" dirty="0"/>
               <a:t>)</a:t>
             </a:r>
           </a:p>
           <a:p>
-            <a:endParaRPr lang="en-US" altLang="ko-KR" dirty="0" smtClean="0"/>
-          </a:p>
-          <a:p>
-            <a:r>
-              <a:rPr lang="en-US" altLang="ko-KR" sz="1200" kern="1200" dirty="0" err="1" smtClean="0">
+            <a:endParaRPr lang="en-US" altLang="ko-KR" dirty="0"/>
+          </a:p>
+          <a:p>
+            <a:r>
+              <a:rPr lang="en-US" altLang="ko-KR" sz="1200" kern="1200" dirty="0" err="1">
                 <a:solidFill>
                   <a:schemeClr val="tx1"/>
                 </a:solidFill>
@@ -2198,46 +2414,46 @@
           <a:lstStyle/>
           <a:p>
             <a:r>
-              <a:rPr lang="ko-KR" altLang="en-US" dirty="0" smtClean="0"/>
+              <a:rPr lang="ko-KR" altLang="en-US" dirty="0"/>
               <a:t>학생들이 자주 쓰는 </a:t>
             </a:r>
             <a:r>
-              <a:rPr lang="en-US" altLang="ko-KR" dirty="0" smtClean="0"/>
+              <a:rPr lang="en-US" altLang="ko-KR" dirty="0"/>
               <a:t>"</a:t>
             </a:r>
             <a:r>
-              <a:rPr lang="en-US" altLang="ko-KR" dirty="0" err="1" smtClean="0"/>
+              <a:rPr lang="en-US" altLang="ko-KR" dirty="0" err="1"/>
               <a:t>AutoGenerateColumns</a:t>
             </a:r>
             <a:r>
-              <a:rPr lang="en-US" altLang="ko-KR" dirty="0" smtClean="0"/>
+              <a:rPr lang="en-US" altLang="ko-KR" dirty="0"/>
               <a:t> = True" </a:t>
             </a:r>
             <a:r>
-              <a:rPr lang="ko-KR" altLang="en-US" dirty="0" smtClean="0"/>
+              <a:rPr lang="ko-KR" altLang="en-US" dirty="0"/>
               <a:t>자동 열 생성 방식 대신</a:t>
             </a:r>
             <a:r>
-              <a:rPr lang="en-US" altLang="ko-KR" dirty="0" smtClean="0"/>
+              <a:rPr lang="en-US" altLang="ko-KR" dirty="0"/>
               <a:t>,</a:t>
             </a:r>
             <a:br>
-              <a:rPr lang="en-US" altLang="ko-KR" dirty="0" smtClean="0"/>
+              <a:rPr lang="en-US" altLang="ko-KR" dirty="0"/>
             </a:br>
             <a:r>
-              <a:rPr lang="ko-KR" altLang="en-US" b="1" dirty="0" err="1" smtClean="0"/>
+              <a:rPr lang="ko-KR" altLang="en-US" b="1" dirty="0" err="1"/>
               <a:t>커스텀</a:t>
             </a:r>
             <a:r>
-              <a:rPr lang="ko-KR" altLang="en-US" b="1" dirty="0" smtClean="0"/>
+              <a:rPr lang="ko-KR" altLang="en-US" b="1" dirty="0"/>
               <a:t> 컬럼 헤더를 수동으로 구성하는 법</a:t>
             </a:r>
             <a:r>
-              <a:rPr lang="ko-KR" altLang="en-US" dirty="0" smtClean="0"/>
+              <a:rPr lang="ko-KR" altLang="en-US" dirty="0"/>
               <a:t>을 보여주고 있어요</a:t>
             </a:r>
             <a:r>
-              <a:rPr lang="en-US" altLang="ko-KR" dirty="0" smtClean="0"/>
+              <a:rPr lang="en-US" altLang="ko-KR" dirty="0"/>
               <a:t>.</a:t>
             </a:r>
             <a:endParaRPr lang="ko-KR" altLang="en-US" dirty="0"/>
@@ -2335,7 +2551,7 @@
             <a:spLocks noGrp="1"/>
           </p:cNvSpPr>
           <p:nvPr>
-            <p:ph type="sldNum" sz="quarter" idx="10"/>
+            <p:ph type="sldNum" sz="quarter" idx="5"/>
           </p:nvPr>
         </p:nvSpPr>
         <p:spPr/>
@@ -2345,7 +2561,7 @@
           <a:p>
             <a:fld id="{C09E5BFC-1559-42F1-8940-AB342D56BF02}" type="slidenum">
               <a:rPr lang="ko-KR" altLang="en-US" smtClean="0"/>
-              <a:t>19</a:t>
+              <a:t>17</a:t>
             </a:fld>
             <a:endParaRPr lang="ko-KR" altLang="en-US"/>
           </a:p>
@@ -2354,7 +2570,7 @@
     </p:spTree>
     <p:extLst>
       <p:ext uri="{BB962C8B-B14F-4D97-AF65-F5344CB8AC3E}">
-        <p14:creationId xmlns:p14="http://schemas.microsoft.com/office/powerpoint/2010/main" val="3519121000"/>
+        <p14:creationId xmlns:p14="http://schemas.microsoft.com/office/powerpoint/2010/main" val="3368153619"/>
       </p:ext>
     </p:extLst>
   </p:cSld>
@@ -5693,22 +5909,21 @@
               </a:lnSpc>
             </a:pPr>
             <a:r>
-              <a:rPr lang="ko-KR" altLang="en-US" dirty="0" err="1" smtClean="0"/>
+              <a:rPr lang="ko-KR" altLang="en-US" dirty="0" err="1"/>
               <a:t>도구상자</a:t>
             </a:r>
             <a:r>
-              <a:rPr lang="ko-KR" altLang="en-US" dirty="0" smtClean="0"/>
+              <a:rPr lang="ko-KR" altLang="en-US" dirty="0"/>
               <a:t> </a:t>
             </a:r>
             <a:r>
-              <a:rPr lang="en-US" altLang="ko-KR" dirty="0" smtClean="0"/>
+              <a:rPr lang="en-US" altLang="ko-KR" dirty="0"/>
               <a:t>- </a:t>
             </a:r>
             <a:r>
-              <a:rPr lang="ko-KR" altLang="en-US" dirty="0" smtClean="0"/>
+              <a:rPr lang="ko-KR" altLang="en-US" dirty="0"/>
               <a:t>심화</a:t>
             </a:r>
-            <a:endParaRPr lang="ko-KR" altLang="en-US" dirty="0"/>
           </a:p>
         </p:txBody>
       </p:sp>
@@ -6461,17 +6676,9 @@
                 <a:ea typeface="Pretendard" panose="02000503000000020004" pitchFamily="2" charset="-127"/>
                 <a:cs typeface="Pretendard" panose="02000503000000020004" pitchFamily="2" charset="-127"/>
               </a:rPr>
-              <a:t>이미지 파일을 불러오면 버튼이 불러온 이미지로 바뀌는 프로그램 </a:t>
-            </a:r>
-            <a:r>
-              <a:rPr lang="ko-KR" altLang="en-US" dirty="0" smtClean="0">
-                <a:latin typeface="Pretendard" panose="02000503000000020004" pitchFamily="2" charset="-127"/>
-                <a:ea typeface="Pretendard" panose="02000503000000020004" pitchFamily="2" charset="-127"/>
-                <a:cs typeface="Pretendard" panose="02000503000000020004" pitchFamily="2" charset="-127"/>
-              </a:rPr>
-              <a:t>제작</a:t>
-            </a:r>
-            <a:endParaRPr lang="en-US" altLang="ko-KR" dirty="0" smtClean="0">
+              <a:t>이미지 파일을 불러오면 버튼이 불러온 이미지로 바뀌는 프로그램 제작</a:t>
+            </a:r>
+            <a:endParaRPr lang="en-US" altLang="ko-KR" dirty="0">
               <a:latin typeface="Pretendard" panose="02000503000000020004" pitchFamily="2" charset="-127"/>
               <a:ea typeface="Pretendard" panose="02000503000000020004" pitchFamily="2" charset="-127"/>
               <a:cs typeface="Pretendard" panose="02000503000000020004" pitchFamily="2" charset="-127"/>
@@ -6479,7 +6686,7 @@
           </a:p>
           <a:p>
             <a:r>
-              <a:rPr lang="en-US" altLang="ko-KR" dirty="0" err="1" smtClean="0">
+              <a:rPr lang="en-US" altLang="ko-KR" dirty="0" err="1">
                 <a:latin typeface="Pretendard" panose="02000503000000020004" pitchFamily="2" charset="-127"/>
                 <a:ea typeface="Pretendard" panose="02000503000000020004" pitchFamily="2" charset="-127"/>
                 <a:cs typeface="Pretendard" panose="02000503000000020004" pitchFamily="2" charset="-127"/>
@@ -6492,15 +6699,7 @@
                 <a:ea typeface="Pretendard" panose="02000503000000020004" pitchFamily="2" charset="-127"/>
                 <a:cs typeface="Pretendard" panose="02000503000000020004" pitchFamily="2" charset="-127"/>
               </a:rPr>
-              <a:t>를 </a:t>
-            </a:r>
-            <a:r>
-              <a:rPr lang="ko-KR" altLang="en-US" dirty="0" smtClean="0">
-                <a:latin typeface="Pretendard" panose="02000503000000020004" pitchFamily="2" charset="-127"/>
-                <a:ea typeface="Pretendard" panose="02000503000000020004" pitchFamily="2" charset="-127"/>
-                <a:cs typeface="Pretendard" panose="02000503000000020004" pitchFamily="2" charset="-127"/>
-              </a:rPr>
-              <a:t>구현</a:t>
+              <a:t>를 구현</a:t>
             </a:r>
             <a:endParaRPr lang="en-US" altLang="ko-KR" dirty="0">
               <a:latin typeface="Pretendard" panose="02000503000000020004" pitchFamily="2" charset="-127"/>
@@ -6510,20 +6709,12 @@
           </a:p>
           <a:p>
             <a:r>
-              <a:rPr lang="ko-KR" altLang="en-US" dirty="0" smtClean="0">
-                <a:latin typeface="Pretendard" panose="02000503000000020004" pitchFamily="2" charset="-127"/>
-                <a:ea typeface="Pretendard" panose="02000503000000020004" pitchFamily="2" charset="-127"/>
-                <a:cs typeface="Pretendard" panose="02000503000000020004" pitchFamily="2" charset="-127"/>
-              </a:rPr>
-              <a:t>파일 </a:t>
-            </a:r>
-            <a:r>
               <a:rPr lang="ko-KR" altLang="en-US" dirty="0">
                 <a:latin typeface="Pretendard" panose="02000503000000020004" pitchFamily="2" charset="-127"/>
                 <a:ea typeface="Pretendard" panose="02000503000000020004" pitchFamily="2" charset="-127"/>
                 <a:cs typeface="Pretendard" panose="02000503000000020004" pitchFamily="2" charset="-127"/>
               </a:rPr>
-              <a:t>경로는 </a:t>
+              <a:t>파일 경로는 </a:t>
             </a:r>
             <a:r>
               <a:rPr lang="en-US" altLang="ko-KR" dirty="0">
@@ -6565,18 +6756,10 @@
                 <a:ea typeface="Pretendard" panose="02000503000000020004" pitchFamily="2" charset="-127"/>
                 <a:cs typeface="Pretendard" panose="02000503000000020004" pitchFamily="2" charset="-127"/>
               </a:rPr>
-              <a:t>도 이미지 크기와 같게 </a:t>
-            </a:r>
-            <a:r>
-              <a:rPr lang="ko-KR" altLang="en-US" dirty="0" smtClean="0">
-                <a:latin typeface="Pretendard" panose="02000503000000020004" pitchFamily="2" charset="-127"/>
-                <a:ea typeface="Pretendard" panose="02000503000000020004" pitchFamily="2" charset="-127"/>
-                <a:cs typeface="Pretendard" panose="02000503000000020004" pitchFamily="2" charset="-127"/>
-              </a:rPr>
-              <a:t>변경되도록 하기</a:t>
-            </a:r>
-            <a:r>
-              <a:rPr lang="en-US" altLang="ko-KR" dirty="0" smtClean="0">
+              <a:t>도 이미지 크기와 같게 변경되도록 하기</a:t>
+            </a:r>
+            <a:r>
+              <a:rPr lang="en-US" altLang="ko-KR" dirty="0">
                 <a:latin typeface="Pretendard" panose="02000503000000020004" pitchFamily="2" charset="-127"/>
                 <a:ea typeface="Pretendard" panose="02000503000000020004" pitchFamily="2" charset="-127"/>
                 <a:cs typeface="Pretendard" panose="02000503000000020004" pitchFamily="2" charset="-127"/>
@@ -6593,7 +6776,7 @@
           </a:p>
           <a:p>
             <a:r>
-              <a:rPr lang="en-US" altLang="ko-KR" dirty="0" err="1" smtClean="0">
+              <a:rPr lang="en-US" altLang="ko-KR" dirty="0" err="1">
                 <a:latin typeface="Pretendard" panose="02000503000000020004" pitchFamily="2" charset="-127"/>
                 <a:ea typeface="Pretendard" panose="02000503000000020004" pitchFamily="2" charset="-127"/>
                 <a:cs typeface="Pretendard" panose="02000503000000020004" pitchFamily="2" charset="-127"/>
@@ -6601,7 +6784,7 @@
               <a:t>Git</a:t>
             </a:r>
             <a:r>
-              <a:rPr lang="en-US" altLang="ko-KR" dirty="0" smtClean="0">
+              <a:rPr lang="en-US" altLang="ko-KR" dirty="0">
                 <a:latin typeface="Pretendard" panose="02000503000000020004" pitchFamily="2" charset="-127"/>
                 <a:ea typeface="Pretendard" panose="02000503000000020004" pitchFamily="2" charset="-127"/>
                 <a:cs typeface="Pretendard" panose="02000503000000020004" pitchFamily="2" charset="-127"/>
@@ -6609,7 +6792,7 @@
               <a:t> Repo </a:t>
             </a:r>
             <a:r>
-              <a:rPr lang="ko-KR" altLang="en-US" dirty="0" smtClean="0">
+              <a:rPr lang="ko-KR" altLang="en-US" dirty="0">
                 <a:latin typeface="Pretendard" panose="02000503000000020004" pitchFamily="2" charset="-127"/>
                 <a:ea typeface="Pretendard" panose="02000503000000020004" pitchFamily="2" charset="-127"/>
                 <a:cs typeface="Pretendard" panose="02000503000000020004" pitchFamily="2" charset="-127"/>
@@ -7826,7 +8009,7 @@
           <p:nvPr/>
         </p:nvPicPr>
         <p:blipFill>
-          <a:blip r:embed="rId2"/>
+          <a:blip r:embed="rId3"/>
           <a:stretch>
             <a:fillRect/>
           </a:stretch>
@@ -7856,7 +8039,7 @@
           <p:nvPr/>
         </p:nvPicPr>
         <p:blipFill>
-          <a:blip r:embed="rId3"/>
+          <a:blip r:embed="rId4"/>
           <a:stretch>
             <a:fillRect/>
           </a:stretch>
@@ -10059,14 +10242,6 @@
   <p:clrMapOvr>
     <a:masterClrMapping/>
   </p:clrMapOvr>
-  <mc:AlternateContent xmlns:mc="http://schemas.openxmlformats.org/markup-compatibility/2006" xmlns:p14="http://schemas.microsoft.com/office/powerpoint/2010/main">
-    <mc:Choice Requires="p14">
-      <p:transition spd="slow" p14:dur="2000"/>
-    </mc:Choice>
-    <mc:Fallback xmlns="">
-      <p:transition spd="slow"/>
-    </mc:Fallback>
-  </mc:AlternateContent>
 </p:sld>
 </file>
 
@@ -11634,11 +11809,7 @@
             </a:r>
             <a:r>
               <a:rPr lang="ko-KR" altLang="en-US" dirty="0"/>
-              <a:t>코드에서 </a:t>
-            </a:r>
-            <a:r>
-              <a:rPr lang="ko-KR" altLang="en-US" dirty="0" smtClean="0"/>
-              <a:t>변경하기</a:t>
+              <a:t>코드에서 변경하기</a:t>
             </a:r>
             <a:endParaRPr lang="en-US" altLang="ko-KR" dirty="0"/>
           </a:p>

--- a/material/18_CSharp_WPF (도구상자 - 심화).pptx
+++ b/material/18_CSharp_WPF (도구상자 - 심화).pptx
@@ -33,22 +33,22 @@
   <p:notesSz cx="6858000" cy="9144000"/>
   <p:embeddedFontLst>
     <p:embeddedFont>
-      <p:font typeface="Pretendard" panose="020B0600000101010101" charset="-127"/>
+      <p:font typeface="Pretendard GOV" panose="020B0600000101010101" charset="-127"/>
       <p:regular r:id="rId23"/>
       <p:bold r:id="rId24"/>
     </p:embeddedFont>
     <p:embeddedFont>
-      <p:font typeface="Pretendard Black" panose="020B0600000101010101" charset="-127"/>
-      <p:bold r:id="rId25"/>
-    </p:embeddedFont>
-    <p:embeddedFont>
-      <p:font typeface="Pretendard GOV" panose="02000503000000020004" pitchFamily="2" charset="-127"/>
-      <p:regular r:id="rId26"/>
-      <p:bold r:id="rId27"/>
+      <p:font typeface="Pretendard" panose="02000503000000020004" pitchFamily="2" charset="-127"/>
+      <p:regular r:id="rId25"/>
+      <p:bold r:id="rId26"/>
     </p:embeddedFont>
     <p:embeddedFont>
       <p:font typeface="맑은 고딕" panose="020B0503020000020004" pitchFamily="50" charset="-127"/>
-      <p:regular r:id="rId28"/>
+      <p:regular r:id="rId27"/>
+      <p:bold r:id="rId28"/>
+    </p:embeddedFont>
+    <p:embeddedFont>
+      <p:font typeface="Pretendard Black" panose="02000A03000000020004" pitchFamily="2" charset="-127"/>
       <p:bold r:id="rId29"/>
     </p:embeddedFont>
   </p:embeddedFontLst>
@@ -240,7 +240,7 @@
           <a:p>
             <a:fld id="{2EF3F159-7250-4DD4-91C2-13B35D56E1AF}" type="datetimeFigureOut">
               <a:rPr lang="ko-KR" altLang="en-US" smtClean="0"/>
-              <a:t>2025-05-23</a:t>
+              <a:t>2025-06-08</a:t>
             </a:fld>
             <a:endParaRPr lang="ko-KR" altLang="en-US"/>
           </a:p>
@@ -551,46 +551,7 @@
           <a:bodyPr/>
           <a:lstStyle/>
           <a:p>
-            <a:r>
-              <a:rPr lang="ko-KR" altLang="en-US"/>
-              <a:t>새로운 언어를 배울 때는 내가 알고 있는 기존 언어와 차이점만 기억을 하면 됨</a:t>
-            </a:r>
-            <a:r>
-              <a:rPr lang="en-US" altLang="ko-KR"/>
-              <a:t>.</a:t>
-            </a:r>
-          </a:p>
-          <a:p>
-            <a:endParaRPr lang="en-US" altLang="ko-KR"/>
-          </a:p>
-          <a:p>
-            <a:r>
-              <a:rPr lang="ko-KR" altLang="en-US"/>
-              <a:t>자세한 문법 또는 함수의 사용법은 그때그때 검색을 통해 찾아보고 적용하면 됨</a:t>
-            </a:r>
-            <a:r>
-              <a:rPr lang="en-US" altLang="ko-KR"/>
-              <a:t>. </a:t>
-            </a:r>
-          </a:p>
-          <a:p>
-            <a:endParaRPr lang="en-US" altLang="ko-KR"/>
-          </a:p>
-          <a:p>
-            <a:r>
-              <a:rPr lang="ko-KR" altLang="en-US"/>
-              <a:t>이론을 충분히 공부하고 무언가 시작하기 보다는 일단 시작하고 부딪히는 곳을 적극적으로 검색하여 찾아보며 해결해나가는 것이 훨씬 좋음</a:t>
-            </a:r>
-            <a:r>
-              <a:rPr lang="en-US" altLang="ko-KR"/>
-              <a:t>.</a:t>
-            </a:r>
-          </a:p>
-          <a:p>
-            <a:endParaRPr lang="en-US" altLang="ko-KR"/>
-          </a:p>
-          <a:p>
-            <a:endParaRPr lang="ko-KR" altLang="en-US"/>
+            <a:endParaRPr lang="ko-KR" altLang="en-US" dirty="0"/>
           </a:p>
         </p:txBody>
       </p:sp>
@@ -695,7 +656,7 @@
           <a:p>
             <a:fld id="{C09E5BFC-1559-42F1-8940-AB342D56BF02}" type="slidenum">
               <a:rPr lang="ko-KR" altLang="en-US" smtClean="0"/>
-              <a:t>19</a:t>
+              <a:t>13</a:t>
             </a:fld>
             <a:endParaRPr lang="ko-KR" altLang="en-US"/>
           </a:p>
@@ -704,7 +665,7 @@
     </p:spTree>
     <p:extLst>
       <p:ext uri="{BB962C8B-B14F-4D97-AF65-F5344CB8AC3E}">
-        <p14:creationId xmlns:p14="http://schemas.microsoft.com/office/powerpoint/2010/main" val="3519121000"/>
+        <p14:creationId xmlns:p14="http://schemas.microsoft.com/office/powerpoint/2010/main" val="3705854966"/>
       </p:ext>
     </p:extLst>
   </p:cSld>
@@ -758,12 +719,264 @@
           <a:bodyPr/>
           <a:lstStyle/>
           <a:p>
-            <a:r>
-              <a:rPr lang="en-US" altLang="ko-KR" dirty="0"/>
+            <a:endParaRPr lang="ko-KR" altLang="en-US" dirty="0"/>
+          </a:p>
+        </p:txBody>
+      </p:sp>
+      <p:sp>
+        <p:nvSpPr>
+          <p:cNvPr id="4" name="슬라이드 번호 개체 틀 3"/>
+          <p:cNvSpPr>
+            <a:spLocks noGrp="1"/>
+          </p:cNvSpPr>
+          <p:nvPr>
+            <p:ph type="sldNum" sz="quarter" idx="10"/>
+          </p:nvPr>
+        </p:nvSpPr>
+        <p:spPr/>
+        <p:txBody>
+          <a:bodyPr/>
+          <a:lstStyle/>
+          <a:p>
+            <a:fld id="{C09E5BFC-1559-42F1-8940-AB342D56BF02}" type="slidenum">
+              <a:rPr lang="ko-KR" altLang="en-US" smtClean="0"/>
+              <a:t>15</a:t>
+            </a:fld>
+            <a:endParaRPr lang="ko-KR" altLang="en-US"/>
+          </a:p>
+        </p:txBody>
+      </p:sp>
+    </p:spTree>
+    <p:extLst>
+      <p:ext uri="{BB962C8B-B14F-4D97-AF65-F5344CB8AC3E}">
+        <p14:creationId xmlns:p14="http://schemas.microsoft.com/office/powerpoint/2010/main" val="3844026903"/>
+      </p:ext>
+    </p:extLst>
+  </p:cSld>
+  <p:clrMapOvr>
+    <a:masterClrMapping/>
+  </p:clrMapOvr>
+</p:notes>
+</file>
+
+<file path=ppt/notesSlides/notesSlide12.xml><?xml version="1.0" encoding="utf-8"?>
+<p:notes xmlns:a="http://schemas.openxmlformats.org/drawingml/2006/main" xmlns:r="http://schemas.openxmlformats.org/officeDocument/2006/relationships" xmlns:p="http://schemas.openxmlformats.org/presentationml/2006/main">
+  <p:cSld>
+    <p:spTree>
+      <p:nvGrpSpPr>
+        <p:cNvPr id="1" name=""/>
+        <p:cNvGrpSpPr/>
+        <p:nvPr/>
+      </p:nvGrpSpPr>
+      <p:grpSpPr>
+        <a:xfrm>
+          <a:off x="0" y="0"/>
+          <a:ext cx="0" cy="0"/>
+          <a:chOff x="0" y="0"/>
+          <a:chExt cx="0" cy="0"/>
+        </a:xfrm>
+      </p:grpSpPr>
+      <p:sp>
+        <p:nvSpPr>
+          <p:cNvPr id="2" name="슬라이드 이미지 개체 틀 1"/>
+          <p:cNvSpPr>
+            <a:spLocks noGrp="1" noRot="1" noChangeAspect="1"/>
+          </p:cNvSpPr>
+          <p:nvPr>
+            <p:ph type="sldImg"/>
+          </p:nvPr>
+        </p:nvSpPr>
+        <p:spPr/>
+      </p:sp>
+      <p:sp>
+        <p:nvSpPr>
+          <p:cNvPr id="3" name="슬라이드 노트 개체 틀 2"/>
+          <p:cNvSpPr>
+            <a:spLocks noGrp="1"/>
+          </p:cNvSpPr>
+          <p:nvPr>
+            <p:ph type="body" idx="1"/>
+          </p:nvPr>
+        </p:nvSpPr>
+        <p:spPr/>
+        <p:txBody>
+          <a:bodyPr/>
+          <a:lstStyle/>
+          <a:p>
+            <a:endParaRPr lang="ko-KR" altLang="en-US" dirty="0"/>
+          </a:p>
+        </p:txBody>
+      </p:sp>
+      <p:sp>
+        <p:nvSpPr>
+          <p:cNvPr id="4" name="슬라이드 번호 개체 틀 3"/>
+          <p:cNvSpPr>
+            <a:spLocks noGrp="1"/>
+          </p:cNvSpPr>
+          <p:nvPr>
+            <p:ph type="sldNum" sz="quarter" idx="5"/>
+          </p:nvPr>
+        </p:nvSpPr>
+        <p:spPr/>
+        <p:txBody>
+          <a:bodyPr/>
+          <a:lstStyle/>
+          <a:p>
+            <a:fld id="{C09E5BFC-1559-42F1-8940-AB342D56BF02}" type="slidenum">
+              <a:rPr lang="ko-KR" altLang="en-US" smtClean="0"/>
+              <a:t>17</a:t>
+            </a:fld>
+            <a:endParaRPr lang="ko-KR" altLang="en-US"/>
+          </a:p>
+        </p:txBody>
+      </p:sp>
+    </p:spTree>
+    <p:extLst>
+      <p:ext uri="{BB962C8B-B14F-4D97-AF65-F5344CB8AC3E}">
+        <p14:creationId xmlns:p14="http://schemas.microsoft.com/office/powerpoint/2010/main" val="3368153619"/>
+      </p:ext>
+    </p:extLst>
+  </p:cSld>
+  <p:clrMapOvr>
+    <a:masterClrMapping/>
+  </p:clrMapOvr>
+</p:notes>
+</file>
+
+<file path=ppt/notesSlides/notesSlide13.xml><?xml version="1.0" encoding="utf-8"?>
+<p:notes xmlns:a="http://schemas.openxmlformats.org/drawingml/2006/main" xmlns:r="http://schemas.openxmlformats.org/officeDocument/2006/relationships" xmlns:p="http://schemas.openxmlformats.org/presentationml/2006/main">
+  <p:cSld>
+    <p:spTree>
+      <p:nvGrpSpPr>
+        <p:cNvPr id="1" name=""/>
+        <p:cNvGrpSpPr/>
+        <p:nvPr/>
+      </p:nvGrpSpPr>
+      <p:grpSpPr>
+        <a:xfrm>
+          <a:off x="0" y="0"/>
+          <a:ext cx="0" cy="0"/>
+          <a:chOff x="0" y="0"/>
+          <a:chExt cx="0" cy="0"/>
+        </a:xfrm>
+      </p:grpSpPr>
+      <p:sp>
+        <p:nvSpPr>
+          <p:cNvPr id="2" name="슬라이드 이미지 개체 틀 1"/>
+          <p:cNvSpPr>
+            <a:spLocks noGrp="1" noRot="1" noChangeAspect="1"/>
+          </p:cNvSpPr>
+          <p:nvPr>
+            <p:ph type="sldImg"/>
+          </p:nvPr>
+        </p:nvSpPr>
+        <p:spPr/>
+      </p:sp>
+      <p:sp>
+        <p:nvSpPr>
+          <p:cNvPr id="3" name="슬라이드 노트 개체 틀 2"/>
+          <p:cNvSpPr>
+            <a:spLocks noGrp="1"/>
+          </p:cNvSpPr>
+          <p:nvPr>
+            <p:ph type="body" idx="1"/>
+          </p:nvPr>
+        </p:nvSpPr>
+        <p:spPr/>
+        <p:txBody>
+          <a:bodyPr/>
+          <a:lstStyle/>
+          <a:p>
+            <a:endParaRPr lang="ko-KR" altLang="en-US" dirty="0"/>
+          </a:p>
+        </p:txBody>
+      </p:sp>
+      <p:sp>
+        <p:nvSpPr>
+          <p:cNvPr id="4" name="슬라이드 번호 개체 틀 3"/>
+          <p:cNvSpPr>
+            <a:spLocks noGrp="1"/>
+          </p:cNvSpPr>
+          <p:nvPr>
+            <p:ph type="sldNum" sz="quarter" idx="10"/>
+          </p:nvPr>
+        </p:nvSpPr>
+        <p:spPr/>
+        <p:txBody>
+          <a:bodyPr/>
+          <a:lstStyle/>
+          <a:p>
+            <a:fld id="{C09E5BFC-1559-42F1-8940-AB342D56BF02}" type="slidenum">
+              <a:rPr lang="ko-KR" altLang="en-US" smtClean="0"/>
+              <a:t>19</a:t>
+            </a:fld>
+            <a:endParaRPr lang="ko-KR" altLang="en-US"/>
+          </a:p>
+        </p:txBody>
+      </p:sp>
+    </p:spTree>
+    <p:extLst>
+      <p:ext uri="{BB962C8B-B14F-4D97-AF65-F5344CB8AC3E}">
+        <p14:creationId xmlns:p14="http://schemas.microsoft.com/office/powerpoint/2010/main" val="3519121000"/>
+      </p:ext>
+    </p:extLst>
+  </p:cSld>
+  <p:clrMapOvr>
+    <a:masterClrMapping/>
+  </p:clrMapOvr>
+</p:notes>
+</file>
+
+<file path=ppt/notesSlides/notesSlide14.xml><?xml version="1.0" encoding="utf-8"?>
+<p:notes xmlns:a="http://schemas.openxmlformats.org/drawingml/2006/main" xmlns:r="http://schemas.openxmlformats.org/officeDocument/2006/relationships" xmlns:p="http://schemas.openxmlformats.org/presentationml/2006/main">
+  <p:cSld>
+    <p:spTree>
+      <p:nvGrpSpPr>
+        <p:cNvPr id="1" name=""/>
+        <p:cNvGrpSpPr/>
+        <p:nvPr/>
+      </p:nvGrpSpPr>
+      <p:grpSpPr>
+        <a:xfrm>
+          <a:off x="0" y="0"/>
+          <a:ext cx="0" cy="0"/>
+          <a:chOff x="0" y="0"/>
+          <a:chExt cx="0" cy="0"/>
+        </a:xfrm>
+      </p:grpSpPr>
+      <p:sp>
+        <p:nvSpPr>
+          <p:cNvPr id="2" name="슬라이드 이미지 개체 틀 1"/>
+          <p:cNvSpPr>
+            <a:spLocks noGrp="1" noRot="1" noChangeAspect="1"/>
+          </p:cNvSpPr>
+          <p:nvPr>
+            <p:ph type="sldImg"/>
+          </p:nvPr>
+        </p:nvSpPr>
+        <p:spPr/>
+      </p:sp>
+      <p:sp>
+        <p:nvSpPr>
+          <p:cNvPr id="3" name="슬라이드 노트 개체 틀 2"/>
+          <p:cNvSpPr>
+            <a:spLocks noGrp="1"/>
+          </p:cNvSpPr>
+          <p:nvPr>
+            <p:ph type="body" idx="1"/>
+          </p:nvPr>
+        </p:nvSpPr>
+        <p:spPr/>
+        <p:txBody>
+          <a:bodyPr/>
+          <a:lstStyle/>
+          <a:p>
+            <a:r>
+              <a:rPr lang="en-US" altLang="ko-KR" smtClean="0"/>
               <a:t>CSV -&gt; </a:t>
             </a:r>
             <a:r>
-              <a:rPr lang="ko-KR" altLang="en-US" b="0" i="0" dirty="0">
+              <a:rPr lang="ko-KR" altLang="en-US" b="0" i="0" smtClean="0">
                 <a:solidFill>
                   <a:srgbClr val="EEF0FF"/>
                 </a:solidFill>
@@ -773,47 +986,44 @@
               <a:t> </a:t>
             </a:r>
             <a:r>
-              <a:rPr lang="ko-KR" altLang="en-US" dirty="0"/>
+              <a:rPr lang="ko-KR" altLang="en-US" smtClean="0"/>
               <a:t>쉼표로 데이터를 구분한 텍스트 파일</a:t>
             </a:r>
-            <a:endParaRPr lang="en-US" altLang="ko-KR" dirty="0"/>
-          </a:p>
-          <a:p>
-            <a:r>
-              <a:rPr lang="ko-KR" altLang="en-US" dirty="0"/>
+            <a:endParaRPr lang="en-US" altLang="ko-KR" smtClean="0"/>
+          </a:p>
+          <a:p>
+            <a:r>
+              <a:rPr lang="ko-KR" altLang="en-US" smtClean="0"/>
               <a:t>메모장으로 작성</a:t>
             </a:r>
-            <a:endParaRPr lang="en-US" altLang="ko-KR" dirty="0"/>
-          </a:p>
-          <a:p>
-            <a:r>
-              <a:rPr lang="en-US" altLang="ko-KR" dirty="0"/>
+            <a:endParaRPr lang="en-US" altLang="ko-KR" smtClean="0"/>
+          </a:p>
+          <a:p>
+            <a:r>
+              <a:rPr lang="en-US" altLang="ko-KR" dirty="0" smtClean="0"/>
               <a:t>-&gt; </a:t>
             </a:r>
             <a:r>
-              <a:rPr lang="ko-KR" altLang="en-US" dirty="0" err="1"/>
-              <a:t>다른이름으로</a:t>
-            </a:r>
-            <a:r>
-              <a:rPr lang="ko-KR" altLang="en-US" dirty="0"/>
-              <a:t> 저장 </a:t>
-            </a:r>
-            <a:r>
-              <a:rPr lang="en-US" altLang="ko-KR" dirty="0"/>
+              <a:rPr lang="ko-KR" altLang="en-US" smtClean="0"/>
+              <a:t>다른이름으로 저장 </a:t>
+            </a:r>
+            <a:r>
+              <a:rPr lang="en-US" altLang="ko-KR" smtClean="0"/>
               <a:t>-&gt; .CSV -&gt; </a:t>
             </a:r>
             <a:r>
-              <a:rPr lang="ko-KR" altLang="en-US" dirty="0"/>
+              <a:rPr lang="ko-KR" altLang="en-US" smtClean="0"/>
               <a:t>모든 파일 </a:t>
             </a:r>
             <a:r>
-              <a:rPr lang="en-US" altLang="ko-KR" dirty="0"/>
+              <a:rPr lang="en-US" altLang="ko-KR" smtClean="0"/>
               <a:t>-&gt; UTF-8 </a:t>
             </a:r>
             <a:r>
-              <a:rPr lang="ko-KR" altLang="en-US" dirty="0"/>
+              <a:rPr lang="ko-KR" altLang="en-US" smtClean="0"/>
               <a:t>저장</a:t>
             </a:r>
+            <a:endParaRPr lang="ko-KR" altLang="en-US" dirty="0"/>
           </a:p>
         </p:txBody>
       </p:sp>
@@ -897,49 +1107,6 @@
           <a:bodyPr/>
           <a:lstStyle/>
           <a:p>
-            <a:r>
-              <a:rPr lang="ko-KR" altLang="en-US" dirty="0"/>
-              <a:t>이 슬라이드는 </a:t>
-            </a:r>
-            <a:r>
-              <a:rPr lang="en-US" altLang="ko-KR" b="1" dirty="0" err="1"/>
-              <a:t>WinForms</a:t>
-            </a:r>
-            <a:r>
-              <a:rPr lang="en-US" altLang="ko-KR" b="1" dirty="0"/>
-              <a:t>/</a:t>
-            </a:r>
-            <a:r>
-              <a:rPr lang="ko-KR" altLang="en-US" b="1" dirty="0"/>
-              <a:t>초기 </a:t>
-            </a:r>
-            <a:r>
-              <a:rPr lang="en-US" altLang="ko-KR" b="1" dirty="0"/>
-              <a:t>.NET </a:t>
-            </a:r>
-            <a:r>
-              <a:rPr lang="ko-KR" altLang="en-US" b="1" dirty="0"/>
-              <a:t>교육자료에서 사용되던 </a:t>
-            </a:r>
-            <a:r>
-              <a:rPr lang="ko-KR" altLang="en-US" b="1" dirty="0" err="1"/>
-              <a:t>방식인듯</a:t>
-            </a:r>
-            <a:r>
-              <a:rPr lang="ko-KR" altLang="en-US" b="1" dirty="0"/>
-              <a:t> 함</a:t>
-            </a:r>
-            <a:endParaRPr lang="en-US" altLang="ko-KR" b="1" dirty="0"/>
-          </a:p>
-          <a:p>
-            <a:r>
-              <a:rPr lang="en-US" altLang="ko-KR" b="1" dirty="0"/>
-              <a:t>WPF</a:t>
-            </a:r>
-            <a:r>
-              <a:rPr lang="ko-KR" altLang="en-US" b="1" dirty="0"/>
-              <a:t>에선 안씀</a:t>
-            </a:r>
             <a:endParaRPr lang="ko-KR" altLang="en-US" dirty="0"/>
           </a:p>
         </p:txBody>
@@ -961,7 +1128,7 @@
           <a:p>
             <a:fld id="{C09E5BFC-1559-42F1-8940-AB342D56BF02}" type="slidenum">
               <a:rPr lang="ko-KR" altLang="en-US" smtClean="0"/>
-              <a:t>4</a:t>
+              <a:t>2</a:t>
             </a:fld>
             <a:endParaRPr lang="ko-KR" altLang="en-US"/>
           </a:p>
@@ -970,7 +1137,7 @@
     </p:spTree>
     <p:extLst>
       <p:ext uri="{BB962C8B-B14F-4D97-AF65-F5344CB8AC3E}">
-        <p14:creationId xmlns:p14="http://schemas.microsoft.com/office/powerpoint/2010/main" val="3190933436"/>
+        <p14:creationId xmlns:p14="http://schemas.microsoft.com/office/powerpoint/2010/main" val="4196111366"/>
       </p:ext>
     </p:extLst>
   </p:cSld>
@@ -1024,278 +1191,7 @@
           <a:bodyPr/>
           <a:lstStyle/>
           <a:p>
-            <a:r>
-              <a:rPr lang="en-US" altLang="ko-KR" dirty="0"/>
-              <a:t>URI</a:t>
-            </a:r>
-            <a:r>
-              <a:rPr lang="ko-KR" altLang="en-US" dirty="0"/>
-              <a:t>는 컴퓨터가 접근할 수 있는 자원</a:t>
-            </a:r>
-            <a:r>
-              <a:rPr lang="en-US" altLang="ko-KR" dirty="0"/>
-              <a:t>(</a:t>
-            </a:r>
-            <a:r>
-              <a:rPr lang="ko-KR" altLang="en-US" dirty="0"/>
-              <a:t>리소스</a:t>
-            </a:r>
-            <a:r>
-              <a:rPr lang="en-US" altLang="ko-KR" dirty="0"/>
-              <a:t>)</a:t>
-            </a:r>
-            <a:r>
-              <a:rPr lang="ko-KR" altLang="en-US" dirty="0"/>
-              <a:t>의 위치를 식별하는 문자열</a:t>
-            </a:r>
-            <a:endParaRPr lang="en-US" altLang="ko-KR" dirty="0"/>
-          </a:p>
-          <a:p>
-            <a:r>
-              <a:rPr lang="ko-KR" altLang="en-US" dirty="0" err="1"/>
-              <a:t>웹페이지</a:t>
-            </a:r>
-            <a:r>
-              <a:rPr lang="ko-KR" altLang="en-US" dirty="0"/>
-              <a:t> 주소</a:t>
-            </a:r>
-            <a:r>
-              <a:rPr lang="en-US" altLang="ko-KR" dirty="0"/>
-              <a:t>: https://www.naver.com</a:t>
-            </a:r>
-          </a:p>
-          <a:p>
-            <a:r>
-              <a:rPr lang="ko-KR" altLang="en-US" dirty="0"/>
-              <a:t>로컬 파일 경로</a:t>
-            </a:r>
-            <a:r>
-              <a:rPr lang="en-US" altLang="ko-KR" dirty="0"/>
-              <a:t>: C:/Users/damon/dog.jpg</a:t>
-            </a:r>
-          </a:p>
-          <a:p>
-            <a:r>
-              <a:rPr lang="ko-KR" altLang="en-US" dirty="0"/>
-              <a:t>이메일 주소</a:t>
-            </a:r>
-            <a:r>
-              <a:rPr lang="en-US" altLang="ko-KR" dirty="0"/>
-              <a:t>: mailto:hello@example.com</a:t>
-            </a:r>
-            <a:br>
-              <a:rPr lang="en-US" altLang="ko-KR" dirty="0"/>
-            </a:br>
-            <a:r>
-              <a:rPr lang="ko-KR" altLang="en-US" dirty="0"/>
-              <a:t>이런 건 전부 </a:t>
-            </a:r>
-            <a:r>
-              <a:rPr lang="en-US" altLang="ko-KR" dirty="0"/>
-              <a:t>URI</a:t>
-            </a:r>
-            <a:r>
-              <a:rPr lang="ko-KR" altLang="en-US" dirty="0"/>
-              <a:t>입니다</a:t>
-            </a:r>
-            <a:r>
-              <a:rPr lang="en-US" altLang="ko-KR" dirty="0"/>
-              <a:t>.</a:t>
-            </a:r>
-          </a:p>
-          <a:p>
-            <a:endParaRPr lang="en-US" altLang="ko-KR" dirty="0"/>
-          </a:p>
-          <a:p>
-            <a:r>
-              <a:rPr lang="en-US" altLang="ko-KR" dirty="0"/>
-              <a:t>URL</a:t>
-            </a:r>
-            <a:r>
-              <a:rPr lang="ko-KR" altLang="en-US" dirty="0"/>
-              <a:t>은 </a:t>
-            </a:r>
-            <a:r>
-              <a:rPr lang="en-US" altLang="ko-KR" dirty="0"/>
-              <a:t>URI</a:t>
-            </a:r>
-            <a:r>
-              <a:rPr lang="ko-KR" altLang="en-US" dirty="0"/>
-              <a:t>의 일종</a:t>
-            </a:r>
-            <a:endParaRPr lang="en-US" altLang="ko-KR" dirty="0"/>
-          </a:p>
-          <a:p>
-            <a:r>
-              <a:rPr lang="en-US" altLang="ko-KR" dirty="0"/>
-              <a:t>URI </a:t>
-            </a:r>
-            <a:r>
-              <a:rPr lang="ko-KR" altLang="en-US" dirty="0"/>
-              <a:t>중 </a:t>
-            </a:r>
-            <a:r>
-              <a:rPr lang="en-US" altLang="ko-KR" dirty="0"/>
-              <a:t>"</a:t>
-            </a:r>
-            <a:r>
-              <a:rPr lang="ko-KR" altLang="en-US" dirty="0"/>
-              <a:t>위치</a:t>
-            </a:r>
-            <a:r>
-              <a:rPr lang="en-US" altLang="ko-KR" dirty="0"/>
-              <a:t>(Location)"</a:t>
-            </a:r>
-            <a:r>
-              <a:rPr lang="ko-KR" altLang="en-US" dirty="0"/>
-              <a:t>를 포함한 것 </a:t>
-            </a:r>
-            <a:r>
-              <a:rPr lang="en-US" altLang="ko-KR" dirty="0"/>
-              <a:t>https://www.google.com</a:t>
-            </a:r>
-          </a:p>
-          <a:p>
-            <a:endParaRPr lang="en-US" altLang="ko-KR" b="1" dirty="0"/>
-          </a:p>
-          <a:p>
-            <a:r>
-              <a:rPr lang="en-US" altLang="ko-KR" b="1" dirty="0"/>
-              <a:t>C#</a:t>
-            </a:r>
-            <a:r>
-              <a:rPr lang="ko-KR" altLang="en-US" b="1" dirty="0"/>
-              <a:t>에서 </a:t>
-            </a:r>
-            <a:r>
-              <a:rPr lang="en-US" altLang="ko-KR" b="1" dirty="0"/>
-              <a:t>URL</a:t>
-            </a:r>
-            <a:r>
-              <a:rPr lang="ko-KR" altLang="en-US" b="1" dirty="0"/>
-              <a:t>를 </a:t>
-            </a:r>
-            <a:r>
-              <a:rPr lang="ko-KR" altLang="en-US" b="1" dirty="0" err="1"/>
-              <a:t>왜써</a:t>
-            </a:r>
-            <a:r>
-              <a:rPr lang="en-US" altLang="ko-KR" b="1" dirty="0"/>
-              <a:t>?</a:t>
-            </a:r>
-          </a:p>
-          <a:p>
-            <a:r>
-              <a:rPr lang="ko-KR" altLang="en-US" dirty="0"/>
-              <a:t>이미지</a:t>
-            </a:r>
-            <a:r>
-              <a:rPr lang="en-US" altLang="ko-KR" dirty="0"/>
-              <a:t>, </a:t>
-            </a:r>
-            <a:r>
-              <a:rPr lang="ko-KR" altLang="en-US" dirty="0"/>
-              <a:t>웹사이트</a:t>
-            </a:r>
-            <a:r>
-              <a:rPr lang="en-US" altLang="ko-KR" dirty="0"/>
-              <a:t>, </a:t>
-            </a:r>
-            <a:r>
-              <a:rPr lang="ko-KR" altLang="en-US" dirty="0"/>
-              <a:t>파일</a:t>
-            </a:r>
-            <a:r>
-              <a:rPr lang="en-US" altLang="ko-KR" dirty="0"/>
-              <a:t>, </a:t>
-            </a:r>
-            <a:r>
-              <a:rPr lang="ko-KR" altLang="en-US" dirty="0"/>
-              <a:t>리소스 등 </a:t>
-            </a:r>
-            <a:r>
-              <a:rPr lang="ko-KR" altLang="en-US" b="1" dirty="0"/>
-              <a:t>경로를 안전하게 표현</a:t>
-            </a:r>
-            <a:r>
-              <a:rPr lang="ko-KR" altLang="en-US" dirty="0"/>
-              <a:t>하기 위해 사용</a:t>
-            </a:r>
-            <a:endParaRPr lang="en-US" altLang="ko-KR" b="1" dirty="0"/>
-          </a:p>
-          <a:p>
-            <a:r>
-              <a:rPr lang="ko-KR" altLang="en-US" dirty="0"/>
-              <a:t>경로로 문자열 대신 </a:t>
-            </a:r>
-            <a:r>
-              <a:rPr lang="en-US" altLang="ko-KR" dirty="0"/>
-              <a:t>Uri </a:t>
-            </a:r>
-            <a:r>
-              <a:rPr lang="ko-KR" altLang="en-US" dirty="0"/>
-              <a:t>객체</a:t>
-            </a:r>
-            <a:endParaRPr lang="en-US" altLang="ko-KR" dirty="0"/>
-          </a:p>
-          <a:p>
-            <a:endParaRPr lang="en-US" altLang="ko-KR" b="1" dirty="0"/>
-          </a:p>
-          <a:p>
-            <a:r>
-              <a:rPr lang="en-US" altLang="ko-KR" dirty="0" err="1"/>
-              <a:t>siteUri</a:t>
-            </a:r>
-            <a:r>
-              <a:rPr lang="en-US" altLang="ko-KR" dirty="0"/>
-              <a:t>: </a:t>
-            </a:r>
-            <a:r>
-              <a:rPr lang="ko-KR" altLang="en-US" dirty="0"/>
-              <a:t>웹 사이트 주소를 나타내는 </a:t>
-            </a:r>
-            <a:r>
-              <a:rPr lang="en-US" altLang="ko-KR" dirty="0"/>
-              <a:t>Uri </a:t>
-            </a:r>
-            <a:r>
-              <a:rPr lang="ko-KR" altLang="en-US" dirty="0"/>
-              <a:t>객체 </a:t>
-            </a:r>
-            <a:r>
-              <a:rPr lang="en-US" altLang="ko-KR" dirty="0"/>
-              <a:t>– </a:t>
-            </a:r>
-            <a:r>
-              <a:rPr lang="ko-KR" altLang="en-US" dirty="0"/>
-              <a:t>그 중 </a:t>
-            </a:r>
-            <a:r>
-              <a:rPr lang="en-US" altLang="ko-KR" dirty="0"/>
-              <a:t>URL</a:t>
-            </a:r>
-          </a:p>
-          <a:p>
-            <a:r>
-              <a:rPr lang="en-US" altLang="ko-KR" dirty="0" err="1"/>
-              <a:t>fileUri</a:t>
-            </a:r>
-            <a:r>
-              <a:rPr lang="en-US" altLang="ko-KR" dirty="0"/>
-              <a:t>: </a:t>
-            </a:r>
-            <a:r>
-              <a:rPr lang="ko-KR" altLang="en-US" dirty="0"/>
-              <a:t>윈도우의 파일 경로를 나타내는 </a:t>
-            </a:r>
-            <a:r>
-              <a:rPr lang="en-US" altLang="ko-KR" dirty="0"/>
-              <a:t>Uri </a:t>
-            </a:r>
-            <a:r>
-              <a:rPr lang="ko-KR" altLang="en-US" dirty="0"/>
-              <a:t>객체</a:t>
-            </a:r>
+            <a:endParaRPr lang="ko-KR" altLang="en-US" dirty="0"/>
           </a:p>
         </p:txBody>
       </p:sp>
@@ -1316,7 +1212,7 @@
           <a:p>
             <a:fld id="{C09E5BFC-1559-42F1-8940-AB342D56BF02}" type="slidenum">
               <a:rPr lang="ko-KR" altLang="en-US" smtClean="0"/>
-              <a:t>6</a:t>
+              <a:t>4</a:t>
             </a:fld>
             <a:endParaRPr lang="ko-KR" altLang="en-US"/>
           </a:p>
@@ -1325,7 +1221,7 @@
     </p:spTree>
     <p:extLst>
       <p:ext uri="{BB962C8B-B14F-4D97-AF65-F5344CB8AC3E}">
-        <p14:creationId xmlns:p14="http://schemas.microsoft.com/office/powerpoint/2010/main" val="1565238481"/>
+        <p14:creationId xmlns:p14="http://schemas.microsoft.com/office/powerpoint/2010/main" val="3190933436"/>
       </p:ext>
     </p:extLst>
   </p:cSld>
@@ -1379,390 +1275,7 @@
           <a:bodyPr/>
           <a:lstStyle/>
           <a:p>
-            <a:r>
-              <a:rPr lang="en-US" altLang="ko-KR" dirty="0"/>
-              <a:t>C#</a:t>
-            </a:r>
-            <a:r>
-              <a:rPr lang="ko-KR" altLang="en-US" dirty="0"/>
-              <a:t>의 </a:t>
-            </a:r>
-            <a:r>
-              <a:rPr lang="en-US" altLang="ko-KR" dirty="0"/>
-              <a:t>Uri </a:t>
-            </a:r>
-            <a:r>
-              <a:rPr lang="ko-KR" altLang="en-US" dirty="0"/>
-              <a:t>클래스는 경로가 어떤 방식인지 명확히 알려줘야 합니다</a:t>
-            </a:r>
-            <a:endParaRPr lang="en-US" altLang="ko-KR" dirty="0"/>
-          </a:p>
-          <a:p>
-            <a:r>
-              <a:rPr lang="en-US" altLang="ko-KR" dirty="0"/>
-              <a:t>new Uri(</a:t>
-            </a:r>
-            <a:r>
-              <a:rPr lang="ko-KR" altLang="en-US" dirty="0"/>
-              <a:t>경로</a:t>
-            </a:r>
-            <a:r>
-              <a:rPr lang="en-US" altLang="ko-KR" dirty="0"/>
-              <a:t>, </a:t>
-            </a:r>
-            <a:r>
-              <a:rPr lang="en-US" altLang="ko-KR" dirty="0" err="1"/>
-              <a:t>UriKind</a:t>
-            </a:r>
-            <a:r>
-              <a:rPr lang="en-US" altLang="ko-KR" dirty="0"/>
-              <a:t>.???) </a:t>
-            </a:r>
-            <a:r>
-              <a:rPr lang="ko-KR" altLang="en-US" dirty="0"/>
-              <a:t>형태로 </a:t>
-            </a:r>
-            <a:r>
-              <a:rPr lang="ko-KR" altLang="en-US" b="1" dirty="0"/>
-              <a:t>경로 타입을 선택</a:t>
-            </a:r>
-            <a:endParaRPr lang="en-US" altLang="ko-KR" b="1" dirty="0"/>
-          </a:p>
-          <a:p>
-            <a:endParaRPr lang="en-US" altLang="ko-KR" b="1" dirty="0"/>
-          </a:p>
-          <a:p>
-            <a:r>
-              <a:rPr lang="en-US" altLang="ko-KR" dirty="0"/>
-              <a:t>// [1] </a:t>
-            </a:r>
-            <a:r>
-              <a:rPr lang="ko-KR" altLang="en-US" dirty="0" err="1"/>
-              <a:t>상대경로</a:t>
-            </a:r>
-            <a:r>
-              <a:rPr lang="ko-KR" altLang="en-US" dirty="0"/>
-              <a:t> </a:t>
-            </a:r>
-            <a:r>
-              <a:rPr lang="en-US" altLang="ko-KR" dirty="0"/>
-              <a:t>+ Resource </a:t>
-            </a:r>
-            <a:r>
-              <a:rPr lang="ko-KR" altLang="en-US" dirty="0"/>
-              <a:t>방식 </a:t>
-            </a:r>
-            <a:r>
-              <a:rPr lang="en-US" altLang="ko-KR" dirty="0"/>
-              <a:t>(Pack URI </a:t>
-            </a:r>
-            <a:r>
-              <a:rPr lang="ko-KR" altLang="en-US" dirty="0"/>
-              <a:t>형식 </a:t>
-            </a:r>
-            <a:r>
-              <a:rPr lang="ko-KR" altLang="en-US" dirty="0" err="1"/>
-              <a:t>축약형</a:t>
-            </a:r>
-            <a:r>
-              <a:rPr lang="en-US" altLang="ko-KR" dirty="0"/>
-              <a:t>) - </a:t>
-            </a:r>
-            <a:r>
-              <a:rPr lang="ko-KR" altLang="en-US" dirty="0"/>
-              <a:t>실행파일 기준 상대경로로 해석</a:t>
-            </a:r>
-            <a:endParaRPr lang="en-US" altLang="ko-KR" dirty="0"/>
-          </a:p>
-          <a:p>
-            <a:r>
-              <a:rPr lang="en-US" altLang="ko-KR" dirty="0" err="1"/>
-              <a:t>var</a:t>
-            </a:r>
-            <a:r>
-              <a:rPr lang="en-US" altLang="ko-KR" dirty="0"/>
-              <a:t> uriSource1 = new Uri(@"/WpfApp3;component/Resources/dog.jpg", </a:t>
-            </a:r>
-            <a:r>
-              <a:rPr lang="en-US" altLang="ko-KR" dirty="0" err="1"/>
-              <a:t>UriKind.Relative</a:t>
-            </a:r>
-            <a:r>
-              <a:rPr lang="en-US" altLang="ko-KR" dirty="0"/>
-              <a:t>);</a:t>
-            </a:r>
-          </a:p>
-          <a:p>
-            <a:endParaRPr lang="en-US" altLang="ko-KR" dirty="0"/>
-          </a:p>
-          <a:p>
-            <a:r>
-              <a:rPr lang="en-US" altLang="ko-KR" dirty="0"/>
-              <a:t>// [2] </a:t>
-            </a:r>
-            <a:r>
-              <a:rPr lang="ko-KR" altLang="en-US" dirty="0" err="1"/>
-              <a:t>절대경로</a:t>
-            </a:r>
-            <a:r>
-              <a:rPr lang="ko-KR" altLang="en-US" dirty="0"/>
-              <a:t> </a:t>
-            </a:r>
-            <a:r>
-              <a:rPr lang="en-US" altLang="ko-KR" dirty="0"/>
-              <a:t>- Content </a:t>
-            </a:r>
-            <a:r>
-              <a:rPr lang="ko-KR" altLang="en-US" dirty="0"/>
-              <a:t>방식</a:t>
-            </a:r>
-            <a:r>
-              <a:rPr lang="en-US" altLang="ko-KR" dirty="0"/>
-              <a:t>, </a:t>
-            </a:r>
-            <a:r>
-              <a:rPr lang="ko-KR" altLang="en-US" dirty="0"/>
-              <a:t>실제 파일 경로 </a:t>
-            </a:r>
-            <a:r>
-              <a:rPr lang="en-US" altLang="ko-KR" dirty="0"/>
-              <a:t>- C:\, http:// </a:t>
-            </a:r>
-            <a:r>
-              <a:rPr lang="ko-KR" altLang="en-US" dirty="0"/>
-              <a:t>등 </a:t>
-            </a:r>
-            <a:r>
-              <a:rPr lang="ko-KR" altLang="en-US" dirty="0" err="1"/>
-              <a:t>절대경로</a:t>
-            </a:r>
-            <a:r>
-              <a:rPr lang="ko-KR" altLang="en-US" dirty="0"/>
-              <a:t> 해석</a:t>
-            </a:r>
-          </a:p>
-          <a:p>
-            <a:r>
-              <a:rPr lang="en-US" altLang="ko-KR" dirty="0" err="1"/>
-              <a:t>var</a:t>
-            </a:r>
-            <a:r>
-              <a:rPr lang="en-US" altLang="ko-KR" dirty="0"/>
-              <a:t> uriSource2 = new Uri(@"D:/Source/WpfApp3/Resources/dog.jpg", </a:t>
-            </a:r>
-            <a:r>
-              <a:rPr lang="en-US" altLang="ko-KR" dirty="0" err="1"/>
-              <a:t>UriKind.Absolute</a:t>
-            </a:r>
-            <a:r>
-              <a:rPr lang="en-US" altLang="ko-KR" dirty="0"/>
-              <a:t>);</a:t>
-            </a:r>
-          </a:p>
-          <a:p>
-            <a:endParaRPr lang="en-US" altLang="ko-KR" dirty="0"/>
-          </a:p>
-          <a:p>
-            <a:r>
-              <a:rPr lang="en-US" altLang="ko-KR" dirty="0"/>
-              <a:t>// [3] </a:t>
-            </a:r>
-            <a:r>
-              <a:rPr lang="ko-KR" altLang="en-US" dirty="0"/>
-              <a:t>상대 </a:t>
-            </a:r>
-            <a:r>
-              <a:rPr lang="en-US" altLang="ko-KR" dirty="0"/>
-              <a:t>or </a:t>
-            </a:r>
-            <a:r>
-              <a:rPr lang="ko-KR" altLang="en-US" dirty="0"/>
-              <a:t>절대 </a:t>
-            </a:r>
-            <a:r>
-              <a:rPr lang="ko-KR" altLang="en-US" dirty="0" err="1"/>
-              <a:t>자동판단</a:t>
-            </a:r>
-            <a:r>
-              <a:rPr lang="ko-KR" altLang="en-US" dirty="0"/>
-              <a:t> </a:t>
-            </a:r>
-            <a:r>
-              <a:rPr lang="en-US" altLang="ko-KR" dirty="0"/>
-              <a:t>- </a:t>
-            </a:r>
-            <a:r>
-              <a:rPr lang="ko-KR" altLang="en-US" dirty="0"/>
-              <a:t>둘 중 자동 판별</a:t>
-            </a:r>
-          </a:p>
-          <a:p>
-            <a:r>
-              <a:rPr lang="en-US" altLang="ko-KR" dirty="0" err="1"/>
-              <a:t>var</a:t>
-            </a:r>
-            <a:r>
-              <a:rPr lang="en-US" altLang="ko-KR" dirty="0"/>
-              <a:t> uriSource3 = new Uri(@"/WpfApp3;component/Resources/dog.jpg", </a:t>
-            </a:r>
-            <a:r>
-              <a:rPr lang="en-US" altLang="ko-KR" dirty="0" err="1"/>
-              <a:t>UriKind.RelativeOrAbsolute</a:t>
-            </a:r>
-            <a:r>
-              <a:rPr lang="en-US" altLang="ko-KR" dirty="0"/>
-              <a:t>);</a:t>
-            </a:r>
-          </a:p>
-          <a:p>
-            <a:endParaRPr lang="en-US" altLang="ko-KR" dirty="0"/>
-          </a:p>
-          <a:p>
-            <a:r>
-              <a:rPr lang="en-US" altLang="ko-KR" dirty="0"/>
-              <a:t>@?</a:t>
-            </a:r>
-          </a:p>
-          <a:p>
-            <a:r>
-              <a:rPr lang="en-US" altLang="ko-KR" dirty="0"/>
-              <a:t>(</a:t>
-            </a:r>
-            <a:r>
-              <a:rPr lang="ko-KR" altLang="en-US" dirty="0"/>
-              <a:t>있는 그대로의 문자열</a:t>
-            </a:r>
-            <a:r>
-              <a:rPr lang="en-US" altLang="ko-KR" dirty="0"/>
-              <a:t>)</a:t>
-            </a:r>
-          </a:p>
-          <a:p>
-            <a:r>
-              <a:rPr lang="ko-KR" altLang="en-US" dirty="0"/>
-              <a:t>경로에서 </a:t>
-            </a:r>
-            <a:r>
-              <a:rPr lang="en-US" altLang="ko-KR" dirty="0"/>
-              <a:t>\ </a:t>
-            </a:r>
-            <a:r>
-              <a:rPr lang="ko-KR" altLang="en-US" dirty="0"/>
-              <a:t>같은 이스케이프 문자를 피하기 위해 사용</a:t>
-            </a:r>
-            <a:endParaRPr lang="en-US" altLang="ko-KR" dirty="0"/>
-          </a:p>
-          <a:p>
-            <a:endParaRPr lang="en-US" altLang="ko-KR" dirty="0"/>
-          </a:p>
-          <a:p>
-            <a:r>
-              <a:rPr lang="en-US" altLang="ko-KR" dirty="0"/>
-              <a:t>Pack URI</a:t>
-            </a:r>
-            <a:r>
-              <a:rPr lang="ko-KR" altLang="en-US" dirty="0"/>
-              <a:t>란</a:t>
-            </a:r>
-            <a:r>
-              <a:rPr lang="en-US" altLang="ko-KR" dirty="0"/>
-              <a:t>?</a:t>
-            </a:r>
-          </a:p>
-          <a:p>
-            <a:r>
-              <a:rPr lang="en-US" altLang="ko-KR" dirty="0"/>
-              <a:t>WPF </a:t>
-            </a:r>
-            <a:r>
-              <a:rPr lang="ko-KR" altLang="en-US" dirty="0"/>
-              <a:t>전용 리소스를 참조할 수 있는 특별한 </a:t>
-            </a:r>
-            <a:r>
-              <a:rPr lang="en-US" altLang="ko-KR" dirty="0"/>
-              <a:t>URI </a:t>
-            </a:r>
-            <a:r>
-              <a:rPr lang="ko-KR" altLang="en-US" dirty="0"/>
-              <a:t>체계</a:t>
-            </a:r>
-            <a:endParaRPr lang="en-US" altLang="ko-KR" dirty="0"/>
-          </a:p>
-          <a:p>
-            <a:r>
-              <a:rPr lang="en-US" altLang="ko-KR" dirty="0"/>
-              <a:t>WPF</a:t>
-            </a:r>
-            <a:r>
-              <a:rPr lang="ko-KR" altLang="en-US" dirty="0"/>
-              <a:t>에서는 단순한 경로</a:t>
-            </a:r>
-            <a:r>
-              <a:rPr lang="en-US" altLang="ko-KR" dirty="0"/>
-              <a:t>("Assets/dog.jpg")</a:t>
-            </a:r>
-            <a:r>
-              <a:rPr lang="ko-KR" altLang="en-US" dirty="0"/>
-              <a:t>로는</a:t>
-            </a:r>
-            <a:br>
-              <a:rPr lang="ko-KR" altLang="en-US" dirty="0"/>
-            </a:br>
-            <a:r>
-              <a:rPr lang="ko-KR" altLang="en-US" dirty="0"/>
-              <a:t>외부 </a:t>
-            </a:r>
-            <a:r>
-              <a:rPr lang="en-US" altLang="ko-KR" dirty="0"/>
-              <a:t>DLL</a:t>
-            </a:r>
-            <a:r>
-              <a:rPr lang="ko-KR" altLang="en-US" dirty="0"/>
-              <a:t>이나 </a:t>
-            </a:r>
-            <a:r>
-              <a:rPr lang="en-US" altLang="ko-KR" dirty="0" err="1"/>
-              <a:t>ResourceDictionary</a:t>
-            </a:r>
-            <a:r>
-              <a:rPr lang="en-US" altLang="ko-KR" dirty="0"/>
-              <a:t> </a:t>
-            </a:r>
-            <a:r>
-              <a:rPr lang="ko-KR" altLang="en-US" dirty="0"/>
-              <a:t>스타일에서 </a:t>
-            </a:r>
-            <a:r>
-              <a:rPr lang="ko-KR" altLang="en-US" b="1" dirty="0"/>
-              <a:t>리소스를 찾을 수 없는 경우가 많습니다</a:t>
-            </a:r>
-            <a:r>
-              <a:rPr lang="en-US" altLang="ko-KR" b="1" dirty="0"/>
-              <a:t>.</a:t>
-            </a:r>
-            <a:br>
-              <a:rPr lang="ko-KR" altLang="en-US" dirty="0"/>
-            </a:br>
-            <a:r>
-              <a:rPr lang="ko-KR" altLang="en-US" dirty="0"/>
-              <a:t>그래서 정확히 경로를 지정하기 위해 </a:t>
-            </a:r>
-            <a:r>
-              <a:rPr lang="en-US" altLang="ko-KR" b="1" dirty="0"/>
-              <a:t>pack://</a:t>
-            </a:r>
-            <a:r>
-              <a:rPr lang="ko-KR" altLang="en-US" b="1" dirty="0"/>
-              <a:t>로 시작하는 </a:t>
-            </a:r>
-            <a:r>
-              <a:rPr lang="en-US" altLang="ko-KR" b="1" dirty="0"/>
-              <a:t>URI</a:t>
-            </a:r>
-            <a:r>
-              <a:rPr lang="ko-KR" altLang="en-US" dirty="0"/>
-              <a:t>를 사용</a:t>
-            </a:r>
+            <a:endParaRPr lang="ko-KR" altLang="en-US" dirty="0"/>
           </a:p>
         </p:txBody>
       </p:sp>
@@ -1783,7 +1296,7 @@
           <a:p>
             <a:fld id="{C09E5BFC-1559-42F1-8940-AB342D56BF02}" type="slidenum">
               <a:rPr lang="ko-KR" altLang="en-US" smtClean="0"/>
-              <a:t>7</a:t>
+              <a:t>5</a:t>
             </a:fld>
             <a:endParaRPr lang="ko-KR" altLang="en-US"/>
           </a:p>
@@ -1792,7 +1305,7 @@
     </p:spTree>
     <p:extLst>
       <p:ext uri="{BB962C8B-B14F-4D97-AF65-F5344CB8AC3E}">
-        <p14:creationId xmlns:p14="http://schemas.microsoft.com/office/powerpoint/2010/main" val="3477538877"/>
+        <p14:creationId xmlns:p14="http://schemas.microsoft.com/office/powerpoint/2010/main" val="1841136340"/>
       </p:ext>
     </p:extLst>
   </p:cSld>
@@ -1846,224 +1359,7 @@
           <a:bodyPr/>
           <a:lstStyle/>
           <a:p>
-            <a:r>
-              <a:rPr lang="en-US" altLang="ko-KR" dirty="0"/>
-              <a:t>Embedded Resource: </a:t>
-            </a:r>
-            <a:r>
-              <a:rPr lang="ko-KR" altLang="en-US" dirty="0"/>
-              <a:t>주로 데이터 파일</a:t>
-            </a:r>
-            <a:r>
-              <a:rPr lang="en-US" altLang="ko-KR" dirty="0"/>
-              <a:t>, </a:t>
-            </a:r>
-            <a:r>
-              <a:rPr lang="ko-KR" altLang="en-US" dirty="0"/>
-              <a:t>이미지 등 비정적 파일을 어셈블리에 포함시킬 때 사용</a:t>
-            </a:r>
-            <a:r>
-              <a:rPr lang="en-US" altLang="ko-KR" dirty="0"/>
-              <a:t>.</a:t>
-            </a:r>
-          </a:p>
-          <a:p>
-            <a:r>
-              <a:rPr lang="en-US" altLang="ko-KR" dirty="0"/>
-              <a:t>Resource: WPF </a:t>
-            </a:r>
-            <a:r>
-              <a:rPr lang="ko-KR" altLang="en-US" dirty="0"/>
-              <a:t>애플리케이션 내에서 스타일</a:t>
-            </a:r>
-            <a:r>
-              <a:rPr lang="en-US" altLang="ko-KR" dirty="0"/>
-              <a:t>, </a:t>
-            </a:r>
-            <a:r>
-              <a:rPr lang="ko-KR" altLang="en-US" dirty="0"/>
-              <a:t>컨트롤 템플릿 등 </a:t>
-            </a:r>
-            <a:r>
-              <a:rPr lang="en-US" altLang="ko-KR" dirty="0"/>
-              <a:t>UI </a:t>
-            </a:r>
-            <a:r>
-              <a:rPr lang="ko-KR" altLang="en-US" dirty="0"/>
-              <a:t>관련 리소스를 정의할 때 사용</a:t>
-            </a:r>
-            <a:r>
-              <a:rPr lang="en-US" altLang="ko-KR" dirty="0"/>
-              <a:t>.</a:t>
-            </a:r>
-          </a:p>
-          <a:p>
-            <a:endParaRPr lang="en-US" altLang="ko-KR" dirty="0"/>
-          </a:p>
-          <a:p>
-            <a:r>
-              <a:rPr lang="en-US" altLang="ko-KR" dirty="0"/>
-              <a:t>- Build Action</a:t>
-            </a:r>
-          </a:p>
-          <a:p>
-            <a:r>
-              <a:rPr lang="en-US" altLang="ko-KR" dirty="0"/>
-              <a:t>Visual Studio</a:t>
-            </a:r>
-            <a:r>
-              <a:rPr lang="ko-KR" altLang="en-US" dirty="0"/>
-              <a:t>에서 </a:t>
-            </a:r>
-            <a:r>
-              <a:rPr lang="ko-KR" altLang="en-US" b="1" dirty="0"/>
-              <a:t>파일을 프로젝트에 추가했을 때</a:t>
-            </a:r>
-            <a:r>
-              <a:rPr lang="en-US" altLang="ko-KR" dirty="0"/>
-              <a:t>,</a:t>
-            </a:r>
-            <a:br>
-              <a:rPr lang="en-US" altLang="ko-KR" dirty="0"/>
-            </a:br>
-            <a:r>
-              <a:rPr lang="ko-KR" altLang="en-US" dirty="0"/>
-              <a:t>해당 파일을 </a:t>
-            </a:r>
-            <a:r>
-              <a:rPr lang="ko-KR" altLang="en-US" b="1" dirty="0"/>
-              <a:t>빌드할 때 어떻게 처리할지를 정하는 </a:t>
-            </a:r>
-            <a:r>
-              <a:rPr lang="ko-KR" altLang="en-US" b="1" dirty="0" err="1"/>
-              <a:t>설정값</a:t>
-            </a:r>
-            <a:endParaRPr lang="en-US" altLang="ko-KR" b="1" dirty="0"/>
-          </a:p>
-          <a:p>
-            <a:endParaRPr lang="en-US" altLang="ko-KR" b="1" dirty="0"/>
-          </a:p>
-          <a:p>
-            <a:r>
-              <a:rPr lang="en-US" altLang="ko-KR" dirty="0"/>
-              <a:t>None</a:t>
-            </a:r>
-          </a:p>
-          <a:p>
-            <a:r>
-              <a:rPr lang="ko-KR" altLang="en-US" dirty="0"/>
-              <a:t>아무 작업 안 함</a:t>
-            </a:r>
-            <a:r>
-              <a:rPr lang="en-US" altLang="ko-KR" dirty="0"/>
-              <a:t>. </a:t>
-            </a:r>
-            <a:r>
-              <a:rPr lang="ko-KR" altLang="en-US" dirty="0"/>
-              <a:t>빌드 대상이 아님</a:t>
-            </a:r>
-            <a:endParaRPr lang="en-US" altLang="ko-KR" dirty="0"/>
-          </a:p>
-          <a:p>
-            <a:r>
-              <a:rPr lang="ko-KR" altLang="en-US" dirty="0"/>
-              <a:t>실행 파일에도 포함 ❌</a:t>
-            </a:r>
-            <a:r>
-              <a:rPr lang="en-US" altLang="ko-KR" dirty="0"/>
-              <a:t>, </a:t>
-            </a:r>
-            <a:r>
-              <a:rPr lang="ko-KR" altLang="en-US" dirty="0"/>
-              <a:t>복사도 ❌</a:t>
-            </a:r>
-            <a:endParaRPr lang="en-US" altLang="ko-KR" dirty="0"/>
-          </a:p>
-          <a:p>
-            <a:endParaRPr lang="en-US" altLang="ko-KR" dirty="0"/>
-          </a:p>
-          <a:p>
-            <a:r>
-              <a:rPr lang="en-US" altLang="ko-KR" dirty="0"/>
-              <a:t>Embedded Resource</a:t>
-            </a:r>
-          </a:p>
-          <a:p>
-            <a:r>
-              <a:rPr lang="en-US" altLang="ko-KR" dirty="0"/>
-              <a:t>DLL </a:t>
-            </a:r>
-            <a:r>
-              <a:rPr lang="ko-KR" altLang="en-US" dirty="0"/>
-              <a:t>또는 </a:t>
-            </a:r>
-            <a:r>
-              <a:rPr lang="en-US" altLang="ko-KR" dirty="0"/>
-              <a:t>EXE </a:t>
-            </a:r>
-            <a:r>
-              <a:rPr lang="ko-KR" altLang="en-US" dirty="0"/>
-              <a:t>안에 바이너리로 포함됨 </a:t>
-            </a:r>
-            <a:r>
-              <a:rPr lang="en-US" altLang="ko-KR" dirty="0"/>
-              <a:t>– WPF </a:t>
-            </a:r>
-            <a:r>
-              <a:rPr lang="ko-KR" altLang="en-US" dirty="0"/>
-              <a:t>에서 거의 안씀</a:t>
-            </a:r>
-            <a:endParaRPr lang="en-US" altLang="ko-KR" dirty="0"/>
-          </a:p>
-          <a:p>
-            <a:endParaRPr lang="en-US" altLang="ko-KR" dirty="0"/>
-          </a:p>
-          <a:p>
-            <a:r>
-              <a:rPr lang="en-US" altLang="ko-KR" dirty="0"/>
-              <a:t>Resource</a:t>
-            </a:r>
-          </a:p>
-          <a:p>
-            <a:r>
-              <a:rPr lang="en-US" altLang="ko-KR" dirty="0"/>
-              <a:t>WPF</a:t>
-            </a:r>
-            <a:r>
-              <a:rPr lang="ko-KR" altLang="en-US" dirty="0"/>
-              <a:t>에서 </a:t>
-            </a:r>
-            <a:r>
-              <a:rPr lang="en-US" altLang="ko-KR" dirty="0"/>
-              <a:t>XAML </a:t>
-            </a:r>
-            <a:r>
-              <a:rPr lang="ko-KR" altLang="en-US" dirty="0"/>
-              <a:t>또는 </a:t>
-            </a:r>
-            <a:r>
-              <a:rPr lang="en-US" altLang="ko-KR" dirty="0"/>
-              <a:t>URI</a:t>
-            </a:r>
-            <a:r>
-              <a:rPr lang="ko-KR" altLang="en-US" dirty="0"/>
-              <a:t>로 접근 가능한 리소스</a:t>
-            </a:r>
-            <a:endParaRPr lang="en-US" altLang="ko-KR" dirty="0"/>
-          </a:p>
-          <a:p>
-            <a:r>
-              <a:rPr lang="ko-KR" altLang="en-US" dirty="0"/>
-              <a:t>실행 파일 또는 </a:t>
-            </a:r>
-            <a:r>
-              <a:rPr lang="en-US" altLang="ko-KR" dirty="0"/>
-              <a:t>DLL </a:t>
-            </a:r>
-            <a:r>
-              <a:rPr lang="ko-KR" altLang="en-US" dirty="0"/>
-              <a:t>안에 포함됨</a:t>
-            </a:r>
+            <a:endParaRPr lang="ko-KR" altLang="en-US" dirty="0"/>
           </a:p>
         </p:txBody>
       </p:sp>
@@ -2074,7 +1370,7 @@
             <a:spLocks noGrp="1"/>
           </p:cNvSpPr>
           <p:nvPr>
-            <p:ph type="sldNum" sz="quarter" idx="5"/>
+            <p:ph type="sldNum" sz="quarter" idx="10"/>
           </p:nvPr>
         </p:nvSpPr>
         <p:spPr/>
@@ -2084,7 +1380,7 @@
           <a:p>
             <a:fld id="{C09E5BFC-1559-42F1-8940-AB342D56BF02}" type="slidenum">
               <a:rPr lang="ko-KR" altLang="en-US" smtClean="0"/>
-              <a:t>8</a:t>
+              <a:t>6</a:t>
             </a:fld>
             <a:endParaRPr lang="ko-KR" altLang="en-US"/>
           </a:p>
@@ -2093,7 +1389,7 @@
     </p:spTree>
     <p:extLst>
       <p:ext uri="{BB962C8B-B14F-4D97-AF65-F5344CB8AC3E}">
-        <p14:creationId xmlns:p14="http://schemas.microsoft.com/office/powerpoint/2010/main" val="3115622358"/>
+        <p14:creationId xmlns:p14="http://schemas.microsoft.com/office/powerpoint/2010/main" val="1565238481"/>
       </p:ext>
     </p:extLst>
   </p:cSld>
@@ -2168,7 +1464,7 @@
           <a:p>
             <a:fld id="{C09E5BFC-1559-42F1-8940-AB342D56BF02}" type="slidenum">
               <a:rPr lang="ko-KR" altLang="en-US" smtClean="0"/>
-              <a:t>9</a:t>
+              <a:t>7</a:t>
             </a:fld>
             <a:endParaRPr lang="ko-KR" altLang="en-US"/>
           </a:p>
@@ -2177,7 +1473,7 @@
     </p:spTree>
     <p:extLst>
       <p:ext uri="{BB962C8B-B14F-4D97-AF65-F5344CB8AC3E}">
-        <p14:creationId xmlns:p14="http://schemas.microsoft.com/office/powerpoint/2010/main" val="1450777556"/>
+        <p14:creationId xmlns:p14="http://schemas.microsoft.com/office/powerpoint/2010/main" val="3477538877"/>
       </p:ext>
     </p:extLst>
   </p:cSld>
@@ -2231,106 +1527,8 @@
           <a:bodyPr/>
           <a:lstStyle/>
           <a:p>
-            <a:r>
-              <a:rPr lang="ko-KR" altLang="en-US" b="1" dirty="0"/>
-              <a:t>목표</a:t>
-            </a:r>
             <a:endParaRPr lang="ko-KR" altLang="en-US" dirty="0"/>
           </a:p>
-          <a:p>
-            <a:r>
-              <a:rPr lang="ko-KR" altLang="en-US" dirty="0"/>
-              <a:t>사용자가 이미지 파일을 열면 버튼의 배경이 해당 이미지로 바뀌는 </a:t>
-            </a:r>
-            <a:r>
-              <a:rPr lang="en-US" altLang="ko-KR" dirty="0"/>
-              <a:t>WPF </a:t>
-            </a:r>
-            <a:r>
-              <a:rPr lang="ko-KR" altLang="en-US" dirty="0"/>
-              <a:t>프로그램 제작</a:t>
-            </a:r>
-          </a:p>
-          <a:p>
-            <a:r>
-              <a:rPr lang="ko-KR" altLang="en-US" b="1" dirty="0"/>
-              <a:t>필수 구현 항목</a:t>
-            </a:r>
-            <a:endParaRPr lang="ko-KR" altLang="en-US" dirty="0"/>
-          </a:p>
-          <a:p>
-            <a:r>
-              <a:rPr lang="en-US" altLang="ko-KR" dirty="0" err="1"/>
-              <a:t>OpenFileDialog</a:t>
-            </a:r>
-            <a:r>
-              <a:rPr lang="ko-KR" altLang="en-US" dirty="0"/>
-              <a:t>로 이미지 파일 선택</a:t>
-            </a:r>
-          </a:p>
-          <a:p>
-            <a:r>
-              <a:rPr lang="ko-KR" altLang="en-US" dirty="0"/>
-              <a:t>선택한 이미지 경로를 </a:t>
-            </a:r>
-            <a:r>
-              <a:rPr lang="en-US" altLang="ko-KR" dirty="0"/>
-              <a:t>URI</a:t>
-            </a:r>
-            <a:r>
-              <a:rPr lang="ko-KR" altLang="en-US" dirty="0"/>
-              <a:t>로 가져와 버튼에 적용</a:t>
-            </a:r>
-          </a:p>
-          <a:p>
-            <a:r>
-              <a:rPr lang="ko-KR" altLang="en-US" dirty="0"/>
-              <a:t>버튼의 크기를 이미지 크기와 맞게 조절</a:t>
-            </a:r>
-          </a:p>
-          <a:p>
-            <a:r>
-              <a:rPr lang="en-US" altLang="ko-KR" dirty="0" err="1"/>
-              <a:t>Git</a:t>
-            </a:r>
-            <a:r>
-              <a:rPr lang="en-US" altLang="ko-KR" dirty="0"/>
-              <a:t> Repository </a:t>
-            </a:r>
-            <a:r>
-              <a:rPr lang="ko-KR" altLang="en-US" dirty="0"/>
-              <a:t>업로드 </a:t>
-            </a:r>
-            <a:r>
-              <a:rPr lang="en-US" altLang="ko-KR" dirty="0"/>
-              <a:t>(</a:t>
-            </a:r>
-            <a:r>
-              <a:rPr lang="ko-KR" altLang="en-US" dirty="0"/>
-              <a:t>작성자 과제 목적</a:t>
-            </a:r>
-            <a:r>
-              <a:rPr lang="en-US" altLang="ko-KR" dirty="0"/>
-              <a:t>)</a:t>
-            </a:r>
-          </a:p>
-          <a:p>
-            <a:endParaRPr lang="en-US" altLang="ko-KR" dirty="0"/>
-          </a:p>
-          <a:p>
-            <a:r>
-              <a:rPr lang="en-US" altLang="ko-KR" sz="1200" kern="1200" dirty="0" err="1">
-                <a:solidFill>
-                  <a:schemeClr val="tx1"/>
-                </a:solidFill>
-                <a:latin typeface="+mn-lt"/>
-                <a:ea typeface="+mn-ea"/>
-                <a:cs typeface="+mn-cs"/>
-              </a:rPr>
-              <a:t>ImageBrush</a:t>
-            </a:r>
-            <a:endParaRPr lang="ko-KR" altLang="en-US" dirty="0"/>
-          </a:p>
         </p:txBody>
       </p:sp>
       <p:sp>
@@ -2340,7 +1538,7 @@
             <a:spLocks noGrp="1"/>
           </p:cNvSpPr>
           <p:nvPr>
-            <p:ph type="sldNum" sz="quarter" idx="10"/>
+            <p:ph type="sldNum" sz="quarter" idx="5"/>
           </p:nvPr>
         </p:nvSpPr>
         <p:spPr/>
@@ -2350,7 +1548,7 @@
           <a:p>
             <a:fld id="{C09E5BFC-1559-42F1-8940-AB342D56BF02}" type="slidenum">
               <a:rPr lang="ko-KR" altLang="en-US" smtClean="0"/>
-              <a:t>13</a:t>
+              <a:t>8</a:t>
             </a:fld>
             <a:endParaRPr lang="ko-KR" altLang="en-US"/>
           </a:p>
@@ -2359,7 +1557,7 @@
     </p:spTree>
     <p:extLst>
       <p:ext uri="{BB962C8B-B14F-4D97-AF65-F5344CB8AC3E}">
-        <p14:creationId xmlns:p14="http://schemas.microsoft.com/office/powerpoint/2010/main" val="3705854966"/>
+        <p14:creationId xmlns:p14="http://schemas.microsoft.com/office/powerpoint/2010/main" val="3115622358"/>
       </p:ext>
     </p:extLst>
   </p:cSld>
@@ -2413,49 +1611,6 @@
           <a:bodyPr/>
           <a:lstStyle/>
           <a:p>
-            <a:r>
-              <a:rPr lang="ko-KR" altLang="en-US" dirty="0"/>
-              <a:t>학생들이 자주 쓰는 </a:t>
-            </a:r>
-            <a:r>
-              <a:rPr lang="en-US" altLang="ko-KR" dirty="0"/>
-              <a:t>"</a:t>
-            </a:r>
-            <a:r>
-              <a:rPr lang="en-US" altLang="ko-KR" dirty="0" err="1"/>
-              <a:t>AutoGenerateColumns</a:t>
-            </a:r>
-            <a:r>
-              <a:rPr lang="en-US" altLang="ko-KR" dirty="0"/>
-              <a:t> = True" </a:t>
-            </a:r>
-            <a:r>
-              <a:rPr lang="ko-KR" altLang="en-US" dirty="0"/>
-              <a:t>자동 열 생성 방식 대신</a:t>
-            </a:r>
-            <a:r>
-              <a:rPr lang="en-US" altLang="ko-KR" dirty="0"/>
-              <a:t>,</a:t>
-            </a:r>
-            <a:br>
-              <a:rPr lang="en-US" altLang="ko-KR" dirty="0"/>
-            </a:br>
-            <a:r>
-              <a:rPr lang="ko-KR" altLang="en-US" b="1" dirty="0" err="1"/>
-              <a:t>커스텀</a:t>
-            </a:r>
-            <a:r>
-              <a:rPr lang="ko-KR" altLang="en-US" b="1" dirty="0"/>
-              <a:t> 컬럼 헤더를 수동으로 구성하는 법</a:t>
-            </a:r>
-            <a:r>
-              <a:rPr lang="ko-KR" altLang="en-US" dirty="0"/>
-              <a:t>을 보여주고 있어요</a:t>
-            </a:r>
-            <a:r>
-              <a:rPr lang="en-US" altLang="ko-KR" dirty="0"/>
-              <a:t>.</a:t>
-            </a:r>
             <a:endParaRPr lang="ko-KR" altLang="en-US" dirty="0"/>
           </a:p>
         </p:txBody>
@@ -2477,7 +1632,7 @@
           <a:p>
             <a:fld id="{C09E5BFC-1559-42F1-8940-AB342D56BF02}" type="slidenum">
               <a:rPr lang="ko-KR" altLang="en-US" smtClean="0"/>
-              <a:t>15</a:t>
+              <a:t>9</a:t>
             </a:fld>
             <a:endParaRPr lang="ko-KR" altLang="en-US"/>
           </a:p>
@@ -2486,7 +1641,7 @@
     </p:spTree>
     <p:extLst>
       <p:ext uri="{BB962C8B-B14F-4D97-AF65-F5344CB8AC3E}">
-        <p14:creationId xmlns:p14="http://schemas.microsoft.com/office/powerpoint/2010/main" val="3844026903"/>
+        <p14:creationId xmlns:p14="http://schemas.microsoft.com/office/powerpoint/2010/main" val="1450777556"/>
       </p:ext>
     </p:extLst>
   </p:cSld>
@@ -2551,7 +1706,7 @@
             <a:spLocks noGrp="1"/>
           </p:cNvSpPr>
           <p:nvPr>
-            <p:ph type="sldNum" sz="quarter" idx="5"/>
+            <p:ph type="sldNum" sz="quarter" idx="10"/>
           </p:nvPr>
         </p:nvSpPr>
         <p:spPr/>
@@ -2561,7 +1716,7 @@
           <a:p>
             <a:fld id="{C09E5BFC-1559-42F1-8940-AB342D56BF02}" type="slidenum">
               <a:rPr lang="ko-KR" altLang="en-US" smtClean="0"/>
-              <a:t>17</a:t>
+              <a:t>10</a:t>
             </a:fld>
             <a:endParaRPr lang="ko-KR" altLang="en-US"/>
           </a:p>
@@ -2570,7 +1725,7 @@
     </p:spTree>
     <p:extLst>
       <p:ext uri="{BB962C8B-B14F-4D97-AF65-F5344CB8AC3E}">
-        <p14:creationId xmlns:p14="http://schemas.microsoft.com/office/powerpoint/2010/main" val="3368153619"/>
+        <p14:creationId xmlns:p14="http://schemas.microsoft.com/office/powerpoint/2010/main" val="2688640950"/>
       </p:ext>
     </p:extLst>
   </p:cSld>
@@ -2721,7 +1876,7 @@
           <a:p>
             <a:fld id="{442BEE3F-2E9A-4FD8-8B8A-8619F3E161C0}" type="datetime1">
               <a:rPr lang="ko-KR" altLang="en-US" smtClean="0"/>
-              <a:t>2025-05-23</a:t>
+              <a:t>2025-06-08</a:t>
             </a:fld>
             <a:endParaRPr lang="ko-KR" altLang="en-US"/>
           </a:p>
@@ -2907,7 +2062,7 @@
           <a:p>
             <a:fld id="{2EAE422B-0E68-47B5-84BB-CA2BDA8EE46C}" type="datetime1">
               <a:rPr lang="ko-KR" altLang="en-US" smtClean="0"/>
-              <a:t>2025-05-23</a:t>
+              <a:t>2025-06-08</a:t>
             </a:fld>
             <a:endParaRPr lang="ko-KR" altLang="en-US"/>
           </a:p>
@@ -3115,7 +2270,7 @@
           <a:p>
             <a:fld id="{AF7C623F-179B-417F-99B6-50F6DF228D4B}" type="datetime1">
               <a:rPr lang="ko-KR" altLang="en-US" smtClean="0"/>
-              <a:t>2025-05-23</a:t>
+              <a:t>2025-06-08</a:t>
             </a:fld>
             <a:endParaRPr lang="ko-KR" altLang="en-US"/>
           </a:p>
@@ -3357,7 +2512,7 @@
           <a:p>
             <a:fld id="{0F78D9C4-20C1-4B15-A116-16DC77AD9A1E}" type="datetime1">
               <a:rPr lang="ko-KR" altLang="en-US" smtClean="0"/>
-              <a:t>2025-05-23</a:t>
+              <a:t>2025-06-08</a:t>
             </a:fld>
             <a:endParaRPr lang="ko-KR" altLang="en-US"/>
           </a:p>
@@ -3632,7 +2787,7 @@
           <a:p>
             <a:fld id="{C7F43723-C509-4DEA-8428-B50818F79709}" type="datetime1">
               <a:rPr lang="ko-KR" altLang="en-US" smtClean="0"/>
-              <a:t>2025-05-23</a:t>
+              <a:t>2025-06-08</a:t>
             </a:fld>
             <a:endParaRPr lang="ko-KR" altLang="en-US"/>
           </a:p>
@@ -3897,7 +3052,7 @@
           <a:p>
             <a:fld id="{5D2B7482-EE74-4DBD-97F4-D0DAC0C0E4E5}" type="datetime1">
               <a:rPr lang="ko-KR" altLang="en-US" smtClean="0"/>
-              <a:t>2025-05-23</a:t>
+              <a:t>2025-06-08</a:t>
             </a:fld>
             <a:endParaRPr lang="ko-KR" altLang="en-US"/>
           </a:p>
@@ -4310,7 +3465,7 @@
           <a:p>
             <a:fld id="{051A8C49-CED7-4A86-9B4A-621D7F62EE92}" type="datetime1">
               <a:rPr lang="ko-KR" altLang="en-US" smtClean="0"/>
-              <a:t>2025-05-23</a:t>
+              <a:t>2025-06-08</a:t>
             </a:fld>
             <a:endParaRPr lang="ko-KR" altLang="en-US"/>
           </a:p>
@@ -4457,7 +3612,7 @@
           <a:p>
             <a:fld id="{84082D76-7079-412D-848B-E1B9E7A6A286}" type="datetime1">
               <a:rPr lang="ko-KR" altLang="en-US" smtClean="0"/>
-              <a:t>2025-05-23</a:t>
+              <a:t>2025-06-08</a:t>
             </a:fld>
             <a:endParaRPr lang="ko-KR" altLang="en-US"/>
           </a:p>
@@ -4570,7 +3725,7 @@
           <a:p>
             <a:fld id="{10C5FEB5-5F88-4F49-9108-1795E314F09F}" type="datetime1">
               <a:rPr lang="ko-KR" altLang="en-US" smtClean="0"/>
-              <a:t>2025-05-23</a:t>
+              <a:t>2025-06-08</a:t>
             </a:fld>
             <a:endParaRPr lang="ko-KR" altLang="en-US"/>
           </a:p>
@@ -4881,7 +4036,7 @@
           <a:p>
             <a:fld id="{E37ABBEE-D8D4-48AD-9887-4DC578B8A684}" type="datetime1">
               <a:rPr lang="ko-KR" altLang="en-US" smtClean="0"/>
-              <a:t>2025-05-23</a:t>
+              <a:t>2025-06-08</a:t>
             </a:fld>
             <a:endParaRPr lang="ko-KR" altLang="en-US"/>
           </a:p>
@@ -5172,7 +4327,7 @@
           <a:p>
             <a:fld id="{A2D6A55C-F3DD-45DD-9D50-F8680410167D}" type="datetime1">
               <a:rPr lang="ko-KR" altLang="en-US" smtClean="0"/>
-              <a:t>2025-05-23</a:t>
+              <a:t>2025-06-08</a:t>
             </a:fld>
             <a:endParaRPr lang="ko-KR" altLang="en-US"/>
           </a:p>
@@ -5416,7 +4571,7 @@
             <a:fld id="{7F5E23C3-0E3D-4E4E-8486-D7FB4C073DC1}" type="datetime1">
               <a:rPr lang="ko-KR" altLang="en-US" smtClean="0"/>
               <a:pPr/>
-              <a:t>2025-05-23</a:t>
+              <a:t>2025-06-08</a:t>
             </a:fld>
             <a:endParaRPr lang="ko-KR" altLang="en-US" dirty="0"/>
           </a:p>
@@ -5950,7 +5105,7 @@
           <a:p>
             <a:fld id="{2E2BEDFA-D8AA-4914-9440-7DF713C99FA9}" type="datetime1">
               <a:rPr lang="ko-KR" altLang="en-US" smtClean="0"/>
-              <a:t>2025-05-23</a:t>
+              <a:t>2025-06-08</a:t>
             </a:fld>
             <a:endParaRPr lang="ko-KR" altLang="en-US"/>
           </a:p>
@@ -6074,7 +5229,7 @@
           <a:p>
             <a:fld id="{0F78D9C4-20C1-4B15-A116-16DC77AD9A1E}" type="datetime1">
               <a:rPr lang="ko-KR" altLang="en-US" smtClean="0"/>
-              <a:t>2025-05-23</a:t>
+              <a:t>2025-06-08</a:t>
             </a:fld>
             <a:endParaRPr lang="ko-KR" altLang="en-US"/>
           </a:p>
@@ -6124,7 +5279,7 @@
           <p:nvPr/>
         </p:nvPicPr>
         <p:blipFill rotWithShape="1">
-          <a:blip r:embed="rId2"/>
+          <a:blip r:embed="rId3"/>
           <a:srcRect t="45432" b="41"/>
           <a:stretch/>
         </p:blipFill>
@@ -6263,7 +5418,7 @@
           <a:p>
             <a:fld id="{0F78D9C4-20C1-4B15-A116-16DC77AD9A1E}" type="datetime1">
               <a:rPr lang="ko-KR" altLang="en-US" smtClean="0"/>
-              <a:t>2025-05-23</a:t>
+              <a:t>2025-06-08</a:t>
             </a:fld>
             <a:endParaRPr lang="ko-KR" altLang="en-US"/>
           </a:p>
@@ -6416,7 +5571,7 @@
           <a:p>
             <a:fld id="{0F78D9C4-20C1-4B15-A116-16DC77AD9A1E}" type="datetime1">
               <a:rPr lang="ko-KR" altLang="en-US" smtClean="0"/>
-              <a:t>2025-05-23</a:t>
+              <a:t>2025-06-08</a:t>
             </a:fld>
             <a:endParaRPr lang="ko-KR" altLang="en-US"/>
           </a:p>
@@ -6838,7 +5993,7 @@
           <a:p>
             <a:fld id="{0F78D9C4-20C1-4B15-A116-16DC77AD9A1E}" type="datetime1">
               <a:rPr lang="ko-KR" altLang="en-US" smtClean="0"/>
-              <a:t>2025-05-23</a:t>
+              <a:t>2025-06-08</a:t>
             </a:fld>
             <a:endParaRPr lang="ko-KR" altLang="en-US"/>
           </a:p>
@@ -6988,7 +6143,7 @@
           <a:p>
             <a:fld id="{0F78D9C4-20C1-4B15-A116-16DC77AD9A1E}" type="datetime1">
               <a:rPr lang="ko-KR" altLang="en-US" smtClean="0"/>
-              <a:t>2025-05-23</a:t>
+              <a:t>2025-06-08</a:t>
             </a:fld>
             <a:endParaRPr lang="ko-KR" altLang="en-US"/>
           </a:p>
@@ -7438,7 +6593,7 @@
           <a:p>
             <a:fld id="{0F78D9C4-20C1-4B15-A116-16DC77AD9A1E}" type="datetime1">
               <a:rPr lang="ko-KR" altLang="en-US" smtClean="0"/>
-              <a:t>2025-05-23</a:t>
+              <a:t>2025-06-08</a:t>
             </a:fld>
             <a:endParaRPr lang="ko-KR" altLang="en-US"/>
           </a:p>
@@ -7728,7 +6883,7 @@
           <a:p>
             <a:fld id="{0F78D9C4-20C1-4B15-A116-16DC77AD9A1E}" type="datetime1">
               <a:rPr lang="ko-KR" altLang="en-US" smtClean="0"/>
-              <a:t>2025-05-23</a:t>
+              <a:t>2025-06-08</a:t>
             </a:fld>
             <a:endParaRPr lang="ko-KR" altLang="en-US"/>
           </a:p>
@@ -7959,7 +7114,7 @@
           <a:p>
             <a:fld id="{0F78D9C4-20C1-4B15-A116-16DC77AD9A1E}" type="datetime1">
               <a:rPr lang="ko-KR" altLang="en-US" smtClean="0"/>
-              <a:t>2025-05-23</a:t>
+              <a:t>2025-06-08</a:t>
             </a:fld>
             <a:endParaRPr lang="ko-KR" altLang="en-US"/>
           </a:p>
@@ -8177,7 +7332,7 @@
           <a:p>
             <a:fld id="{0F78D9C4-20C1-4B15-A116-16DC77AD9A1E}" type="datetime1">
               <a:rPr lang="ko-KR" altLang="en-US" smtClean="0"/>
-              <a:t>2025-05-23</a:t>
+              <a:t>2025-06-08</a:t>
             </a:fld>
             <a:endParaRPr lang="ko-KR" altLang="en-US"/>
           </a:p>
@@ -8338,7 +7493,7 @@
           <a:p>
             <a:fld id="{0F78D9C4-20C1-4B15-A116-16DC77AD9A1E}" type="datetime1">
               <a:rPr lang="ko-KR" altLang="en-US" smtClean="0"/>
-              <a:t>2025-05-23</a:t>
+              <a:t>2025-06-08</a:t>
             </a:fld>
             <a:endParaRPr lang="ko-KR" altLang="en-US"/>
           </a:p>
@@ -8552,7 +7707,7 @@
           <a:p>
             <a:fld id="{0F78D9C4-20C1-4B15-A116-16DC77AD9A1E}" type="datetime1">
               <a:rPr lang="ko-KR" altLang="en-US" smtClean="0"/>
-              <a:t>2025-05-23</a:t>
+              <a:t>2025-06-08</a:t>
             </a:fld>
             <a:endParaRPr lang="ko-KR" altLang="en-US"/>
           </a:p>
@@ -8602,7 +7757,7 @@
           <p:nvPr/>
         </p:nvPicPr>
         <p:blipFill>
-          <a:blip r:embed="rId2"/>
+          <a:blip r:embed="rId3"/>
           <a:stretch>
             <a:fillRect/>
           </a:stretch>
@@ -8667,7 +7822,7 @@
           <p:nvPr/>
         </p:nvPicPr>
         <p:blipFill>
-          <a:blip r:embed="rId3"/>
+          <a:blip r:embed="rId4"/>
           <a:stretch>
             <a:fillRect/>
           </a:stretch>
@@ -8733,7 +7888,7 @@
           <p:nvPr/>
         </p:nvPicPr>
         <p:blipFill>
-          <a:blip r:embed="rId4"/>
+          <a:blip r:embed="rId5"/>
           <a:stretch>
             <a:fillRect/>
           </a:stretch>
@@ -9187,7 +8342,7 @@
           <a:p>
             <a:fld id="{0F78D9C4-20C1-4B15-A116-16DC77AD9A1E}" type="datetime1">
               <a:rPr lang="ko-KR" altLang="en-US" smtClean="0"/>
-              <a:t>2025-05-23</a:t>
+              <a:t>2025-06-08</a:t>
             </a:fld>
             <a:endParaRPr lang="ko-KR" altLang="en-US"/>
           </a:p>
@@ -9311,7 +8466,7 @@
           <a:p>
             <a:fld id="{0F78D9C4-20C1-4B15-A116-16DC77AD9A1E}" type="datetime1">
               <a:rPr lang="ko-KR" altLang="en-US" smtClean="0"/>
-              <a:t>2025-05-23</a:t>
+              <a:t>2025-06-08</a:t>
             </a:fld>
             <a:endParaRPr lang="ko-KR" altLang="en-US"/>
           </a:p>
@@ -10019,7 +9174,7 @@
           <a:p>
             <a:fld id="{0F78D9C4-20C1-4B15-A116-16DC77AD9A1E}" type="datetime1">
               <a:rPr lang="ko-KR" altLang="en-US" smtClean="0"/>
-              <a:t>2025-05-23</a:t>
+              <a:t>2025-06-08</a:t>
             </a:fld>
             <a:endParaRPr lang="ko-KR" altLang="en-US"/>
           </a:p>
@@ -10242,6 +9397,14 @@
   <p:clrMapOvr>
     <a:masterClrMapping/>
   </p:clrMapOvr>
+  <mc:AlternateContent xmlns:mc="http://schemas.openxmlformats.org/markup-compatibility/2006">
+    <mc:Choice xmlns:p14="http://schemas.microsoft.com/office/powerpoint/2010/main" Requires="p14">
+      <p:transition spd="slow" p14:dur="2000"/>
+    </mc:Choice>
+    <mc:Fallback>
+      <p:transition spd="slow"/>
+    </mc:Fallback>
+  </mc:AlternateContent>
 </p:sld>
 </file>
 
@@ -10354,7 +9517,7 @@
           <a:p>
             <a:fld id="{0F78D9C4-20C1-4B15-A116-16DC77AD9A1E}" type="datetime1">
               <a:rPr lang="ko-KR" altLang="en-US" smtClean="0"/>
-              <a:t>2025-05-23</a:t>
+              <a:t>2025-06-08</a:t>
             </a:fld>
             <a:endParaRPr lang="ko-KR" altLang="en-US"/>
           </a:p>
@@ -10404,7 +9567,7 @@
           <p:nvPr/>
         </p:nvPicPr>
         <p:blipFill>
-          <a:blip r:embed="rId2"/>
+          <a:blip r:embed="rId3"/>
           <a:stretch>
             <a:fillRect/>
           </a:stretch>
@@ -10434,7 +9597,7 @@
           <p:nvPr/>
         </p:nvPicPr>
         <p:blipFill>
-          <a:blip r:embed="rId3"/>
+          <a:blip r:embed="rId4"/>
           <a:stretch>
             <a:fillRect/>
           </a:stretch>
@@ -10674,7 +9837,7 @@
           <a:p>
             <a:fld id="{0F78D9C4-20C1-4B15-A116-16DC77AD9A1E}" type="datetime1">
               <a:rPr lang="ko-KR" altLang="en-US" smtClean="0"/>
-              <a:t>2025-05-23</a:t>
+              <a:t>2025-06-08</a:t>
             </a:fld>
             <a:endParaRPr lang="ko-KR" altLang="en-US"/>
           </a:p>
@@ -11048,7 +10211,7 @@
           <a:p>
             <a:fld id="{0F78D9C4-20C1-4B15-A116-16DC77AD9A1E}" type="datetime1">
               <a:rPr lang="ko-KR" altLang="en-US" smtClean="0"/>
-              <a:t>2025-05-23</a:t>
+              <a:t>2025-06-08</a:t>
             </a:fld>
             <a:endParaRPr lang="ko-KR" altLang="en-US"/>
           </a:p>
@@ -11551,7 +10714,7 @@
           <a:p>
             <a:fld id="{0F78D9C4-20C1-4B15-A116-16DC77AD9A1E}" type="datetime1">
               <a:rPr lang="ko-KR" altLang="en-US" smtClean="0"/>
-              <a:t>2025-05-23</a:t>
+              <a:t>2025-06-08</a:t>
             </a:fld>
             <a:endParaRPr lang="ko-KR" altLang="en-US"/>
           </a:p>
@@ -11838,7 +11001,7 @@
           <a:p>
             <a:fld id="{0F78D9C4-20C1-4B15-A116-16DC77AD9A1E}" type="datetime1">
               <a:rPr lang="ko-KR" altLang="en-US" smtClean="0"/>
-              <a:t>2025-05-23</a:t>
+              <a:t>2025-06-08</a:t>
             </a:fld>
             <a:endParaRPr lang="ko-KR" altLang="en-US"/>
           </a:p>
